--- a/GPREC/GPRC_TrainingSchedule_V2.pptx
+++ b/GPREC/GPRC_TrainingSchedule_V2.pptx
@@ -285,7 +285,7 @@
           <a:p>
             <a:fld id="{A1D51BA1-F58B-40DF-9C13-73BC69DE2A80}" type="datetimeFigureOut">
               <a:rPr lang="en-GB" smtClean="0"/>
-              <a:t>21/11/2025</a:t>
+              <a:t>22/11/2025</a:t>
             </a:fld>
             <a:endParaRPr lang="en-GB"/>
           </a:p>
@@ -485,7 +485,7 @@
           <a:p>
             <a:fld id="{A1D51BA1-F58B-40DF-9C13-73BC69DE2A80}" type="datetimeFigureOut">
               <a:rPr lang="en-GB" smtClean="0"/>
-              <a:t>21/11/2025</a:t>
+              <a:t>22/11/2025</a:t>
             </a:fld>
             <a:endParaRPr lang="en-GB"/>
           </a:p>
@@ -695,7 +695,7 @@
           <a:p>
             <a:fld id="{A1D51BA1-F58B-40DF-9C13-73BC69DE2A80}" type="datetimeFigureOut">
               <a:rPr lang="en-GB" smtClean="0"/>
-              <a:t>21/11/2025</a:t>
+              <a:t>22/11/2025</a:t>
             </a:fld>
             <a:endParaRPr lang="en-GB"/>
           </a:p>
@@ -895,7 +895,7 @@
           <a:p>
             <a:fld id="{A1D51BA1-F58B-40DF-9C13-73BC69DE2A80}" type="datetimeFigureOut">
               <a:rPr lang="en-GB" smtClean="0"/>
-              <a:t>21/11/2025</a:t>
+              <a:t>22/11/2025</a:t>
             </a:fld>
             <a:endParaRPr lang="en-GB"/>
           </a:p>
@@ -1171,7 +1171,7 @@
           <a:p>
             <a:fld id="{A1D51BA1-F58B-40DF-9C13-73BC69DE2A80}" type="datetimeFigureOut">
               <a:rPr lang="en-GB" smtClean="0"/>
-              <a:t>21/11/2025</a:t>
+              <a:t>22/11/2025</a:t>
             </a:fld>
             <a:endParaRPr lang="en-GB"/>
           </a:p>
@@ -1439,7 +1439,7 @@
           <a:p>
             <a:fld id="{A1D51BA1-F58B-40DF-9C13-73BC69DE2A80}" type="datetimeFigureOut">
               <a:rPr lang="en-GB" smtClean="0"/>
-              <a:t>21/11/2025</a:t>
+              <a:t>22/11/2025</a:t>
             </a:fld>
             <a:endParaRPr lang="en-GB"/>
           </a:p>
@@ -1854,7 +1854,7 @@
           <a:p>
             <a:fld id="{A1D51BA1-F58B-40DF-9C13-73BC69DE2A80}" type="datetimeFigureOut">
               <a:rPr lang="en-GB" smtClean="0"/>
-              <a:t>21/11/2025</a:t>
+              <a:t>22/11/2025</a:t>
             </a:fld>
             <a:endParaRPr lang="en-GB"/>
           </a:p>
@@ -1996,7 +1996,7 @@
           <a:p>
             <a:fld id="{A1D51BA1-F58B-40DF-9C13-73BC69DE2A80}" type="datetimeFigureOut">
               <a:rPr lang="en-GB" smtClean="0"/>
-              <a:t>21/11/2025</a:t>
+              <a:t>22/11/2025</a:t>
             </a:fld>
             <a:endParaRPr lang="en-GB"/>
           </a:p>
@@ -2109,7 +2109,7 @@
           <a:p>
             <a:fld id="{A1D51BA1-F58B-40DF-9C13-73BC69DE2A80}" type="datetimeFigureOut">
               <a:rPr lang="en-GB" smtClean="0"/>
-              <a:t>21/11/2025</a:t>
+              <a:t>22/11/2025</a:t>
             </a:fld>
             <a:endParaRPr lang="en-GB"/>
           </a:p>
@@ -2422,7 +2422,7 @@
           <a:p>
             <a:fld id="{A1D51BA1-F58B-40DF-9C13-73BC69DE2A80}" type="datetimeFigureOut">
               <a:rPr lang="en-GB" smtClean="0"/>
-              <a:t>21/11/2025</a:t>
+              <a:t>22/11/2025</a:t>
             </a:fld>
             <a:endParaRPr lang="en-GB"/>
           </a:p>
@@ -2711,7 +2711,7 @@
           <a:p>
             <a:fld id="{A1D51BA1-F58B-40DF-9C13-73BC69DE2A80}" type="datetimeFigureOut">
               <a:rPr lang="en-GB" smtClean="0"/>
-              <a:t>21/11/2025</a:t>
+              <a:t>22/11/2025</a:t>
             </a:fld>
             <a:endParaRPr lang="en-GB"/>
           </a:p>
@@ -2954,7 +2954,7 @@
           <a:p>
             <a:fld id="{A1D51BA1-F58B-40DF-9C13-73BC69DE2A80}" type="datetimeFigureOut">
               <a:rPr lang="en-GB" smtClean="0"/>
-              <a:t>21/11/2025</a:t>
+              <a:t>22/11/2025</a:t>
             </a:fld>
             <a:endParaRPr lang="en-GB"/>
           </a:p>
@@ -3480,7 +3480,7 @@
                   <a:schemeClr val="accent1"/>
                 </a:solidFill>
               </a:rPr>
-              <a:t>(Tentative Dates: 27</a:t>
+              <a:t>(5</a:t>
             </a:r>
             <a:r>
               <a:rPr lang="en-GB" sz="3200" baseline="30000" dirty="0">
@@ -3496,7 +3496,7 @@
                   <a:schemeClr val="accent1"/>
                 </a:solidFill>
               </a:rPr>
-              <a:t> and 28</a:t>
+              <a:t> and 6</a:t>
             </a:r>
             <a:r>
               <a:rPr lang="en-GB" sz="3200" baseline="30000" dirty="0">
@@ -3512,11 +3512,47 @@
                   <a:schemeClr val="accent1"/>
                 </a:solidFill>
               </a:rPr>
-              <a:t> Nov 2025)</a:t>
-            </a:r>
-          </a:p>
-        </p:txBody>
-      </p:sp>
+              <a:t> Dec 2025)</a:t>
+            </a:r>
+          </a:p>
+        </p:txBody>
+      </p:sp>
+      <p:pic>
+        <p:nvPicPr>
+          <p:cNvPr id="4" name="Picture 3">
+            <a:extLst>
+              <a:ext uri="{FF2B5EF4-FFF2-40B4-BE49-F238E27FC236}">
+                <a16:creationId xmlns:a16="http://schemas.microsoft.com/office/drawing/2014/main" id="{9029D131-2A2A-10D9-EBBF-422D12CD6A5D}"/>
+              </a:ext>
+            </a:extLst>
+          </p:cNvPr>
+          <p:cNvPicPr>
+            <a:picLocks noChangeAspect="1"/>
+          </p:cNvPicPr>
+          <p:nvPr/>
+        </p:nvPicPr>
+        <p:blipFill>
+          <a:blip r:embed="rId2">
+            <a:extLst>
+              <a:ext uri="{28A0092B-C50C-407E-A947-70E740481C1C}">
+                <a14:useLocalDpi xmlns:a14="http://schemas.microsoft.com/office/drawing/2010/main" val="0"/>
+              </a:ext>
+            </a:extLst>
+          </a:blip>
+          <a:stretch>
+            <a:fillRect/>
+          </a:stretch>
+        </p:blipFill>
+        <p:spPr>
+          <a:xfrm>
+            <a:off x="8149037" y="32658"/>
+            <a:ext cx="4042963" cy="1089705"/>
+          </a:xfrm>
+          <a:prstGeom prst="rect">
+            <a:avLst/>
+          </a:prstGeom>
+        </p:spPr>
+      </p:pic>
     </p:spTree>
     <p:extLst>
       <p:ext uri="{BB962C8B-B14F-4D97-AF65-F5344CB8AC3E}">
@@ -4018,6 +4054,42 @@
           </a:p>
         </p:txBody>
       </p:sp>
+      <p:pic>
+        <p:nvPicPr>
+          <p:cNvPr id="4" name="Picture 3">
+            <a:extLst>
+              <a:ext uri="{FF2B5EF4-FFF2-40B4-BE49-F238E27FC236}">
+                <a16:creationId xmlns:a16="http://schemas.microsoft.com/office/drawing/2014/main" id="{30702879-BC7B-9ED8-7837-393D44C671F2}"/>
+              </a:ext>
+            </a:extLst>
+          </p:cNvPr>
+          <p:cNvPicPr>
+            <a:picLocks noChangeAspect="1"/>
+          </p:cNvPicPr>
+          <p:nvPr/>
+        </p:nvPicPr>
+        <p:blipFill>
+          <a:blip r:embed="rId2">
+            <a:extLst>
+              <a:ext uri="{28A0092B-C50C-407E-A947-70E740481C1C}">
+                <a14:useLocalDpi xmlns:a14="http://schemas.microsoft.com/office/drawing/2010/main" val="0"/>
+              </a:ext>
+            </a:extLst>
+          </a:blip>
+          <a:stretch>
+            <a:fillRect/>
+          </a:stretch>
+        </p:blipFill>
+        <p:spPr>
+          <a:xfrm>
+            <a:off x="10080966" y="0"/>
+            <a:ext cx="2100150" cy="566056"/>
+          </a:xfrm>
+          <a:prstGeom prst="rect">
+            <a:avLst/>
+          </a:prstGeom>
+        </p:spPr>
+      </p:pic>
     </p:spTree>
     <p:extLst>
       <p:ext uri="{BB962C8B-B14F-4D97-AF65-F5344CB8AC3E}">
@@ -4462,6 +4534,42 @@
           </a:p>
         </p:txBody>
       </p:sp>
+      <p:pic>
+        <p:nvPicPr>
+          <p:cNvPr id="4" name="Picture 3">
+            <a:extLst>
+              <a:ext uri="{FF2B5EF4-FFF2-40B4-BE49-F238E27FC236}">
+                <a16:creationId xmlns:a16="http://schemas.microsoft.com/office/drawing/2014/main" id="{1CAD4EDE-DB76-7975-F261-3BC60C9E626E}"/>
+              </a:ext>
+            </a:extLst>
+          </p:cNvPr>
+          <p:cNvPicPr>
+            <a:picLocks noChangeAspect="1"/>
+          </p:cNvPicPr>
+          <p:nvPr/>
+        </p:nvPicPr>
+        <p:blipFill>
+          <a:blip r:embed="rId2">
+            <a:extLst>
+              <a:ext uri="{28A0092B-C50C-407E-A947-70E740481C1C}">
+                <a14:useLocalDpi xmlns:a14="http://schemas.microsoft.com/office/drawing/2010/main" val="0"/>
+              </a:ext>
+            </a:extLst>
+          </a:blip>
+          <a:stretch>
+            <a:fillRect/>
+          </a:stretch>
+        </p:blipFill>
+        <p:spPr>
+          <a:xfrm>
+            <a:off x="10080966" y="0"/>
+            <a:ext cx="2100150" cy="566056"/>
+          </a:xfrm>
+          <a:prstGeom prst="rect">
+            <a:avLst/>
+          </a:prstGeom>
+        </p:spPr>
+      </p:pic>
     </p:spTree>
     <p:extLst>
       <p:ext uri="{BB962C8B-B14F-4D97-AF65-F5344CB8AC3E}">
@@ -4917,6 +5025,42 @@
           </a:p>
         </p:txBody>
       </p:sp>
+      <p:pic>
+        <p:nvPicPr>
+          <p:cNvPr id="4" name="Picture 3">
+            <a:extLst>
+              <a:ext uri="{FF2B5EF4-FFF2-40B4-BE49-F238E27FC236}">
+                <a16:creationId xmlns:a16="http://schemas.microsoft.com/office/drawing/2014/main" id="{8C13F4DC-70C3-5490-8CA9-BEE2911EB22F}"/>
+              </a:ext>
+            </a:extLst>
+          </p:cNvPr>
+          <p:cNvPicPr>
+            <a:picLocks noChangeAspect="1"/>
+          </p:cNvPicPr>
+          <p:nvPr/>
+        </p:nvPicPr>
+        <p:blipFill>
+          <a:blip r:embed="rId2">
+            <a:extLst>
+              <a:ext uri="{28A0092B-C50C-407E-A947-70E740481C1C}">
+                <a14:useLocalDpi xmlns:a14="http://schemas.microsoft.com/office/drawing/2010/main" val="0"/>
+              </a:ext>
+            </a:extLst>
+          </a:blip>
+          <a:stretch>
+            <a:fillRect/>
+          </a:stretch>
+        </p:blipFill>
+        <p:spPr>
+          <a:xfrm>
+            <a:off x="10080966" y="0"/>
+            <a:ext cx="2100150" cy="566056"/>
+          </a:xfrm>
+          <a:prstGeom prst="rect">
+            <a:avLst/>
+          </a:prstGeom>
+        </p:spPr>
+      </p:pic>
     </p:spTree>
     <p:extLst>
       <p:ext uri="{BB962C8B-B14F-4D97-AF65-F5344CB8AC3E}">
@@ -5298,6 +5442,42 @@
           </a:p>
         </p:txBody>
       </p:sp>
+      <p:pic>
+        <p:nvPicPr>
+          <p:cNvPr id="4" name="Picture 3">
+            <a:extLst>
+              <a:ext uri="{FF2B5EF4-FFF2-40B4-BE49-F238E27FC236}">
+                <a16:creationId xmlns:a16="http://schemas.microsoft.com/office/drawing/2014/main" id="{F1C72A67-20EF-4D59-9457-012B0891DEA0}"/>
+              </a:ext>
+            </a:extLst>
+          </p:cNvPr>
+          <p:cNvPicPr>
+            <a:picLocks noChangeAspect="1"/>
+          </p:cNvPicPr>
+          <p:nvPr/>
+        </p:nvPicPr>
+        <p:blipFill>
+          <a:blip r:embed="rId2">
+            <a:extLst>
+              <a:ext uri="{28A0092B-C50C-407E-A947-70E740481C1C}">
+                <a14:useLocalDpi xmlns:a14="http://schemas.microsoft.com/office/drawing/2010/main" val="0"/>
+              </a:ext>
+            </a:extLst>
+          </a:blip>
+          <a:stretch>
+            <a:fillRect/>
+          </a:stretch>
+        </p:blipFill>
+        <p:spPr>
+          <a:xfrm>
+            <a:off x="10080966" y="0"/>
+            <a:ext cx="2100150" cy="566056"/>
+          </a:xfrm>
+          <a:prstGeom prst="rect">
+            <a:avLst/>
+          </a:prstGeom>
+        </p:spPr>
+      </p:pic>
     </p:spTree>
     <p:extLst>
       <p:ext uri="{BB962C8B-B14F-4D97-AF65-F5344CB8AC3E}">
@@ -5679,6 +5859,42 @@
           </a:p>
         </p:txBody>
       </p:sp>
+      <p:pic>
+        <p:nvPicPr>
+          <p:cNvPr id="4" name="Picture 3">
+            <a:extLst>
+              <a:ext uri="{FF2B5EF4-FFF2-40B4-BE49-F238E27FC236}">
+                <a16:creationId xmlns:a16="http://schemas.microsoft.com/office/drawing/2014/main" id="{0329BB16-B275-B221-B022-0CD08667BCA2}"/>
+              </a:ext>
+            </a:extLst>
+          </p:cNvPr>
+          <p:cNvPicPr>
+            <a:picLocks noChangeAspect="1"/>
+          </p:cNvPicPr>
+          <p:nvPr/>
+        </p:nvPicPr>
+        <p:blipFill>
+          <a:blip r:embed="rId2">
+            <a:extLst>
+              <a:ext uri="{28A0092B-C50C-407E-A947-70E740481C1C}">
+                <a14:useLocalDpi xmlns:a14="http://schemas.microsoft.com/office/drawing/2010/main" val="0"/>
+              </a:ext>
+            </a:extLst>
+          </a:blip>
+          <a:stretch>
+            <a:fillRect/>
+          </a:stretch>
+        </p:blipFill>
+        <p:spPr>
+          <a:xfrm>
+            <a:off x="10080966" y="0"/>
+            <a:ext cx="2100150" cy="566056"/>
+          </a:xfrm>
+          <a:prstGeom prst="rect">
+            <a:avLst/>
+          </a:prstGeom>
+        </p:spPr>
+      </p:pic>
     </p:spTree>
     <p:extLst>
       <p:ext uri="{BB962C8B-B14F-4D97-AF65-F5344CB8AC3E}">
@@ -5944,6 +6160,42 @@
           </a:p>
         </p:txBody>
       </p:sp>
+      <p:pic>
+        <p:nvPicPr>
+          <p:cNvPr id="4" name="Picture 3">
+            <a:extLst>
+              <a:ext uri="{FF2B5EF4-FFF2-40B4-BE49-F238E27FC236}">
+                <a16:creationId xmlns:a16="http://schemas.microsoft.com/office/drawing/2014/main" id="{EB446221-1E4A-CDCF-478A-2DCCF94F103A}"/>
+              </a:ext>
+            </a:extLst>
+          </p:cNvPr>
+          <p:cNvPicPr>
+            <a:picLocks noChangeAspect="1"/>
+          </p:cNvPicPr>
+          <p:nvPr/>
+        </p:nvPicPr>
+        <p:blipFill>
+          <a:blip r:embed="rId2">
+            <a:extLst>
+              <a:ext uri="{28A0092B-C50C-407E-A947-70E740481C1C}">
+                <a14:useLocalDpi xmlns:a14="http://schemas.microsoft.com/office/drawing/2010/main" val="0"/>
+              </a:ext>
+            </a:extLst>
+          </a:blip>
+          <a:stretch>
+            <a:fillRect/>
+          </a:stretch>
+        </p:blipFill>
+        <p:spPr>
+          <a:xfrm>
+            <a:off x="10080966" y="0"/>
+            <a:ext cx="2100150" cy="566056"/>
+          </a:xfrm>
+          <a:prstGeom prst="rect">
+            <a:avLst/>
+          </a:prstGeom>
+        </p:spPr>
+      </p:pic>
     </p:spTree>
     <p:extLst>
       <p:ext uri="{BB962C8B-B14F-4D97-AF65-F5344CB8AC3E}">
@@ -6320,6 +6572,42 @@
           </a:p>
         </p:txBody>
       </p:sp>
+      <p:pic>
+        <p:nvPicPr>
+          <p:cNvPr id="4" name="Picture 3">
+            <a:extLst>
+              <a:ext uri="{FF2B5EF4-FFF2-40B4-BE49-F238E27FC236}">
+                <a16:creationId xmlns:a16="http://schemas.microsoft.com/office/drawing/2014/main" id="{ADE3AB7C-9620-6343-F3BD-7C62890B8FAB}"/>
+              </a:ext>
+            </a:extLst>
+          </p:cNvPr>
+          <p:cNvPicPr>
+            <a:picLocks noChangeAspect="1"/>
+          </p:cNvPicPr>
+          <p:nvPr/>
+        </p:nvPicPr>
+        <p:blipFill>
+          <a:blip r:embed="rId2">
+            <a:extLst>
+              <a:ext uri="{28A0092B-C50C-407E-A947-70E740481C1C}">
+                <a14:useLocalDpi xmlns:a14="http://schemas.microsoft.com/office/drawing/2010/main" val="0"/>
+              </a:ext>
+            </a:extLst>
+          </a:blip>
+          <a:stretch>
+            <a:fillRect/>
+          </a:stretch>
+        </p:blipFill>
+        <p:spPr>
+          <a:xfrm>
+            <a:off x="10080966" y="0"/>
+            <a:ext cx="2100150" cy="566056"/>
+          </a:xfrm>
+          <a:prstGeom prst="rect">
+            <a:avLst/>
+          </a:prstGeom>
+        </p:spPr>
+      </p:pic>
     </p:spTree>
     <p:extLst>
       <p:ext uri="{BB962C8B-B14F-4D97-AF65-F5344CB8AC3E}">
@@ -7975,6 +8263,42 @@
           </a:fontRef>
         </p:style>
       </p:cxnSp>
+      <p:pic>
+        <p:nvPicPr>
+          <p:cNvPr id="2" name="Picture 1">
+            <a:extLst>
+              <a:ext uri="{FF2B5EF4-FFF2-40B4-BE49-F238E27FC236}">
+                <a16:creationId xmlns:a16="http://schemas.microsoft.com/office/drawing/2014/main" id="{0EC355C8-5BB2-F03C-C7A2-22C6C1305B4F}"/>
+              </a:ext>
+            </a:extLst>
+          </p:cNvPr>
+          <p:cNvPicPr>
+            <a:picLocks noChangeAspect="1"/>
+          </p:cNvPicPr>
+          <p:nvPr/>
+        </p:nvPicPr>
+        <p:blipFill>
+          <a:blip r:embed="rId8">
+            <a:extLst>
+              <a:ext uri="{28A0092B-C50C-407E-A947-70E740481C1C}">
+                <a14:useLocalDpi xmlns:a14="http://schemas.microsoft.com/office/drawing/2010/main" val="0"/>
+              </a:ext>
+            </a:extLst>
+          </a:blip>
+          <a:stretch>
+            <a:fillRect/>
+          </a:stretch>
+        </p:blipFill>
+        <p:spPr>
+          <a:xfrm>
+            <a:off x="10080966" y="0"/>
+            <a:ext cx="2100150" cy="566056"/>
+          </a:xfrm>
+          <a:prstGeom prst="rect">
+            <a:avLst/>
+          </a:prstGeom>
+        </p:spPr>
+      </p:pic>
     </p:spTree>
     <p:extLst>
       <p:ext uri="{BB962C8B-B14F-4D97-AF65-F5344CB8AC3E}">
@@ -9871,6 +10195,42 @@
           </a:p>
         </p:txBody>
       </p:sp>
+      <p:pic>
+        <p:nvPicPr>
+          <p:cNvPr id="4" name="Picture 3">
+            <a:extLst>
+              <a:ext uri="{FF2B5EF4-FFF2-40B4-BE49-F238E27FC236}">
+                <a16:creationId xmlns:a16="http://schemas.microsoft.com/office/drawing/2014/main" id="{90CF9C4E-D0C4-E12D-EAAD-6911A6B5A0D2}"/>
+              </a:ext>
+            </a:extLst>
+          </p:cNvPr>
+          <p:cNvPicPr>
+            <a:picLocks noChangeAspect="1"/>
+          </p:cNvPicPr>
+          <p:nvPr/>
+        </p:nvPicPr>
+        <p:blipFill>
+          <a:blip r:embed="rId2">
+            <a:extLst>
+              <a:ext uri="{28A0092B-C50C-407E-A947-70E740481C1C}">
+                <a14:useLocalDpi xmlns:a14="http://schemas.microsoft.com/office/drawing/2010/main" val="0"/>
+              </a:ext>
+            </a:extLst>
+          </a:blip>
+          <a:stretch>
+            <a:fillRect/>
+          </a:stretch>
+        </p:blipFill>
+        <p:spPr>
+          <a:xfrm>
+            <a:off x="10080966" y="0"/>
+            <a:ext cx="2100150" cy="566056"/>
+          </a:xfrm>
+          <a:prstGeom prst="rect">
+            <a:avLst/>
+          </a:prstGeom>
+        </p:spPr>
+      </p:pic>
     </p:spTree>
     <p:extLst>
       <p:ext uri="{BB962C8B-B14F-4D97-AF65-F5344CB8AC3E}">
@@ -11945,6 +12305,42 @@
           </a:p>
         </p:txBody>
       </p:sp>
+      <p:pic>
+        <p:nvPicPr>
+          <p:cNvPr id="3" name="Picture 2">
+            <a:extLst>
+              <a:ext uri="{FF2B5EF4-FFF2-40B4-BE49-F238E27FC236}">
+                <a16:creationId xmlns:a16="http://schemas.microsoft.com/office/drawing/2014/main" id="{DFCC9547-6FCF-4CA0-E532-D47631217FCC}"/>
+              </a:ext>
+            </a:extLst>
+          </p:cNvPr>
+          <p:cNvPicPr>
+            <a:picLocks noChangeAspect="1"/>
+          </p:cNvPicPr>
+          <p:nvPr/>
+        </p:nvPicPr>
+        <p:blipFill>
+          <a:blip r:embed="rId2">
+            <a:extLst>
+              <a:ext uri="{28A0092B-C50C-407E-A947-70E740481C1C}">
+                <a14:useLocalDpi xmlns:a14="http://schemas.microsoft.com/office/drawing/2010/main" val="0"/>
+              </a:ext>
+            </a:extLst>
+          </a:blip>
+          <a:stretch>
+            <a:fillRect/>
+          </a:stretch>
+        </p:blipFill>
+        <p:spPr>
+          <a:xfrm>
+            <a:off x="10080966" y="0"/>
+            <a:ext cx="2100150" cy="566056"/>
+          </a:xfrm>
+          <a:prstGeom prst="rect">
+            <a:avLst/>
+          </a:prstGeom>
+        </p:spPr>
+      </p:pic>
     </p:spTree>
     <p:extLst>
       <p:ext uri="{BB962C8B-B14F-4D97-AF65-F5344CB8AC3E}">
@@ -12331,6 +12727,42 @@
           </a:p>
         </p:txBody>
       </p:sp>
+      <p:pic>
+        <p:nvPicPr>
+          <p:cNvPr id="3" name="Picture 2">
+            <a:extLst>
+              <a:ext uri="{FF2B5EF4-FFF2-40B4-BE49-F238E27FC236}">
+                <a16:creationId xmlns:a16="http://schemas.microsoft.com/office/drawing/2014/main" id="{58D27FDC-0E02-FE0B-4A8B-0F43DEC28F05}"/>
+              </a:ext>
+            </a:extLst>
+          </p:cNvPr>
+          <p:cNvPicPr>
+            <a:picLocks noChangeAspect="1"/>
+          </p:cNvPicPr>
+          <p:nvPr/>
+        </p:nvPicPr>
+        <p:blipFill>
+          <a:blip r:embed="rId2">
+            <a:extLst>
+              <a:ext uri="{28A0092B-C50C-407E-A947-70E740481C1C}">
+                <a14:useLocalDpi xmlns:a14="http://schemas.microsoft.com/office/drawing/2010/main" val="0"/>
+              </a:ext>
+            </a:extLst>
+          </a:blip>
+          <a:stretch>
+            <a:fillRect/>
+          </a:stretch>
+        </p:blipFill>
+        <p:spPr>
+          <a:xfrm>
+            <a:off x="10080966" y="0"/>
+            <a:ext cx="2100150" cy="566056"/>
+          </a:xfrm>
+          <a:prstGeom prst="rect">
+            <a:avLst/>
+          </a:prstGeom>
+        </p:spPr>
+      </p:pic>
     </p:spTree>
     <p:extLst>
       <p:ext uri="{BB962C8B-B14F-4D97-AF65-F5344CB8AC3E}">
@@ -12867,6 +13299,42 @@
           </a:p>
         </p:txBody>
       </p:sp>
+      <p:pic>
+        <p:nvPicPr>
+          <p:cNvPr id="9" name="Picture 8">
+            <a:extLst>
+              <a:ext uri="{FF2B5EF4-FFF2-40B4-BE49-F238E27FC236}">
+                <a16:creationId xmlns:a16="http://schemas.microsoft.com/office/drawing/2014/main" id="{983B58ED-037C-D57D-E569-A0962C39C22C}"/>
+              </a:ext>
+            </a:extLst>
+          </p:cNvPr>
+          <p:cNvPicPr>
+            <a:picLocks noChangeAspect="1"/>
+          </p:cNvPicPr>
+          <p:nvPr/>
+        </p:nvPicPr>
+        <p:blipFill>
+          <a:blip r:embed="rId2">
+            <a:extLst>
+              <a:ext uri="{28A0092B-C50C-407E-A947-70E740481C1C}">
+                <a14:useLocalDpi xmlns:a14="http://schemas.microsoft.com/office/drawing/2010/main" val="0"/>
+              </a:ext>
+            </a:extLst>
+          </a:blip>
+          <a:stretch>
+            <a:fillRect/>
+          </a:stretch>
+        </p:blipFill>
+        <p:spPr>
+          <a:xfrm>
+            <a:off x="10080966" y="0"/>
+            <a:ext cx="2100150" cy="566056"/>
+          </a:xfrm>
+          <a:prstGeom prst="rect">
+            <a:avLst/>
+          </a:prstGeom>
+        </p:spPr>
+      </p:pic>
     </p:spTree>
     <p:extLst>
       <p:ext uri="{BB962C8B-B14F-4D97-AF65-F5344CB8AC3E}">
@@ -13380,6 +13848,42 @@
           </a:p>
         </p:txBody>
       </p:sp>
+      <p:pic>
+        <p:nvPicPr>
+          <p:cNvPr id="3" name="Picture 2">
+            <a:extLst>
+              <a:ext uri="{FF2B5EF4-FFF2-40B4-BE49-F238E27FC236}">
+                <a16:creationId xmlns:a16="http://schemas.microsoft.com/office/drawing/2014/main" id="{CDA186A8-A322-AA8C-FD33-F56EEE9E237E}"/>
+              </a:ext>
+            </a:extLst>
+          </p:cNvPr>
+          <p:cNvPicPr>
+            <a:picLocks noChangeAspect="1"/>
+          </p:cNvPicPr>
+          <p:nvPr/>
+        </p:nvPicPr>
+        <p:blipFill>
+          <a:blip r:embed="rId2">
+            <a:extLst>
+              <a:ext uri="{28A0092B-C50C-407E-A947-70E740481C1C}">
+                <a14:useLocalDpi xmlns:a14="http://schemas.microsoft.com/office/drawing/2010/main" val="0"/>
+              </a:ext>
+            </a:extLst>
+          </a:blip>
+          <a:stretch>
+            <a:fillRect/>
+          </a:stretch>
+        </p:blipFill>
+        <p:spPr>
+          <a:xfrm>
+            <a:off x="10080966" y="0"/>
+            <a:ext cx="2100150" cy="566056"/>
+          </a:xfrm>
+          <a:prstGeom prst="rect">
+            <a:avLst/>
+          </a:prstGeom>
+        </p:spPr>
+      </p:pic>
     </p:spTree>
     <p:extLst>
       <p:ext uri="{BB962C8B-B14F-4D97-AF65-F5344CB8AC3E}">
@@ -13739,6 +14243,42 @@
           </a:p>
         </p:txBody>
       </p:sp>
+      <p:pic>
+        <p:nvPicPr>
+          <p:cNvPr id="4" name="Picture 3">
+            <a:extLst>
+              <a:ext uri="{FF2B5EF4-FFF2-40B4-BE49-F238E27FC236}">
+                <a16:creationId xmlns:a16="http://schemas.microsoft.com/office/drawing/2014/main" id="{F4031DE6-D871-79D4-1C9C-96AB83BA8847}"/>
+              </a:ext>
+            </a:extLst>
+          </p:cNvPr>
+          <p:cNvPicPr>
+            <a:picLocks noChangeAspect="1"/>
+          </p:cNvPicPr>
+          <p:nvPr/>
+        </p:nvPicPr>
+        <p:blipFill>
+          <a:blip r:embed="rId2">
+            <a:extLst>
+              <a:ext uri="{28A0092B-C50C-407E-A947-70E740481C1C}">
+                <a14:useLocalDpi xmlns:a14="http://schemas.microsoft.com/office/drawing/2010/main" val="0"/>
+              </a:ext>
+            </a:extLst>
+          </a:blip>
+          <a:stretch>
+            <a:fillRect/>
+          </a:stretch>
+        </p:blipFill>
+        <p:spPr>
+          <a:xfrm>
+            <a:off x="10080966" y="0"/>
+            <a:ext cx="2100150" cy="566056"/>
+          </a:xfrm>
+          <a:prstGeom prst="rect">
+            <a:avLst/>
+          </a:prstGeom>
+        </p:spPr>
+      </p:pic>
     </p:spTree>
     <p:extLst>
       <p:ext uri="{BB962C8B-B14F-4D97-AF65-F5344CB8AC3E}">

--- a/GPREC/GPRC_TrainingSchedule_V2.pptx
+++ b/GPREC/GPRC_TrainingSchedule_V2.pptx
@@ -4,6 +4,9 @@
   <p:sldMasterIdLst>
     <p:sldMasterId id="2147483648" r:id="rId1"/>
   </p:sldMasterIdLst>
+  <p:notesMasterIdLst>
+    <p:notesMasterId r:id="rId28"/>
+  </p:notesMasterIdLst>
   <p:sldIdLst>
     <p:sldId id="256" r:id="rId2"/>
     <p:sldId id="259" r:id="rId3"/>
@@ -16,19 +19,21 @@
     <p:sldId id="261" r:id="rId10"/>
     <p:sldId id="262" r:id="rId11"/>
     <p:sldId id="263" r:id="rId12"/>
-    <p:sldId id="276" r:id="rId13"/>
-    <p:sldId id="268" r:id="rId14"/>
-    <p:sldId id="269" r:id="rId15"/>
-    <p:sldId id="264" r:id="rId16"/>
-    <p:sldId id="270" r:id="rId17"/>
-    <p:sldId id="266" r:id="rId18"/>
-    <p:sldId id="271" r:id="rId19"/>
-    <p:sldId id="267" r:id="rId20"/>
-    <p:sldId id="272" r:id="rId21"/>
-    <p:sldId id="273" r:id="rId22"/>
-    <p:sldId id="274" r:id="rId23"/>
-    <p:sldId id="275" r:id="rId24"/>
-    <p:sldId id="287" r:id="rId25"/>
+    <p:sldId id="289" r:id="rId13"/>
+    <p:sldId id="290" r:id="rId14"/>
+    <p:sldId id="276" r:id="rId15"/>
+    <p:sldId id="268" r:id="rId16"/>
+    <p:sldId id="269" r:id="rId17"/>
+    <p:sldId id="264" r:id="rId18"/>
+    <p:sldId id="270" r:id="rId19"/>
+    <p:sldId id="266" r:id="rId20"/>
+    <p:sldId id="271" r:id="rId21"/>
+    <p:sldId id="267" r:id="rId22"/>
+    <p:sldId id="272" r:id="rId23"/>
+    <p:sldId id="273" r:id="rId24"/>
+    <p:sldId id="274" r:id="rId25"/>
+    <p:sldId id="275" r:id="rId26"/>
+    <p:sldId id="287" r:id="rId27"/>
   </p:sldIdLst>
   <p:sldSz cx="12192000" cy="6858000"/>
   <p:notesSz cx="6858000" cy="9144000"/>
@@ -135,6 +140,356 @@
 </p:presentation>
 </file>
 
+<file path=ppt/notesMasters/notesMaster1.xml><?xml version="1.0" encoding="utf-8"?>
+<p:notesMaster xmlns:a="http://schemas.openxmlformats.org/drawingml/2006/main" xmlns:r="http://schemas.openxmlformats.org/officeDocument/2006/relationships" xmlns:p="http://schemas.openxmlformats.org/presentationml/2006/main">
+  <p:cSld>
+    <p:bg>
+      <p:bgRef idx="1001">
+        <a:schemeClr val="bg1"/>
+      </p:bgRef>
+    </p:bg>
+    <p:spTree>
+      <p:nvGrpSpPr>
+        <p:cNvPr id="1" name=""/>
+        <p:cNvGrpSpPr/>
+        <p:nvPr/>
+      </p:nvGrpSpPr>
+      <p:grpSpPr>
+        <a:xfrm>
+          <a:off x="0" y="0"/>
+          <a:ext cx="0" cy="0"/>
+          <a:chOff x="0" y="0"/>
+          <a:chExt cx="0" cy="0"/>
+        </a:xfrm>
+      </p:grpSpPr>
+      <p:sp>
+        <p:nvSpPr>
+          <p:cNvPr id="2" name="Header Placeholder 1"/>
+          <p:cNvSpPr>
+            <a:spLocks noGrp="1"/>
+          </p:cNvSpPr>
+          <p:nvPr>
+            <p:ph type="hdr" sz="quarter"/>
+          </p:nvPr>
+        </p:nvSpPr>
+        <p:spPr>
+          <a:xfrm>
+            <a:off x="0" y="0"/>
+            <a:ext cx="2971800" cy="458788"/>
+          </a:xfrm>
+          <a:prstGeom prst="rect">
+            <a:avLst/>
+          </a:prstGeom>
+        </p:spPr>
+        <p:txBody>
+          <a:bodyPr vert="horz" lIns="91440" tIns="45720" rIns="91440" bIns="45720" rtlCol="0"/>
+          <a:lstStyle>
+            <a:lvl1pPr algn="l">
+              <a:defRPr sz="1200"/>
+            </a:lvl1pPr>
+          </a:lstStyle>
+          <a:p>
+            <a:endParaRPr lang="en-GB"/>
+          </a:p>
+        </p:txBody>
+      </p:sp>
+      <p:sp>
+        <p:nvSpPr>
+          <p:cNvPr id="3" name="Date Placeholder 2"/>
+          <p:cNvSpPr>
+            <a:spLocks noGrp="1"/>
+          </p:cNvSpPr>
+          <p:nvPr>
+            <p:ph type="dt" idx="1"/>
+          </p:nvPr>
+        </p:nvSpPr>
+        <p:spPr>
+          <a:xfrm>
+            <a:off x="3884613" y="0"/>
+            <a:ext cx="2971800" cy="458788"/>
+          </a:xfrm>
+          <a:prstGeom prst="rect">
+            <a:avLst/>
+          </a:prstGeom>
+        </p:spPr>
+        <p:txBody>
+          <a:bodyPr vert="horz" lIns="91440" tIns="45720" rIns="91440" bIns="45720" rtlCol="0"/>
+          <a:lstStyle>
+            <a:lvl1pPr algn="r">
+              <a:defRPr sz="1200"/>
+            </a:lvl1pPr>
+          </a:lstStyle>
+          <a:p>
+            <a:fld id="{195ABFD9-D56C-4447-A263-C82CAABC2A2F}" type="datetimeFigureOut">
+              <a:rPr lang="en-GB" smtClean="0"/>
+              <a:t>02/12/2025</a:t>
+            </a:fld>
+            <a:endParaRPr lang="en-GB"/>
+          </a:p>
+        </p:txBody>
+      </p:sp>
+      <p:sp>
+        <p:nvSpPr>
+          <p:cNvPr id="4" name="Slide Image Placeholder 3"/>
+          <p:cNvSpPr>
+            <a:spLocks noGrp="1" noRot="1" noChangeAspect="1"/>
+          </p:cNvSpPr>
+          <p:nvPr>
+            <p:ph type="sldImg" idx="2"/>
+          </p:nvPr>
+        </p:nvSpPr>
+        <p:spPr>
+          <a:xfrm>
+            <a:off x="685800" y="1143000"/>
+            <a:ext cx="5486400" cy="3086100"/>
+          </a:xfrm>
+          <a:prstGeom prst="rect">
+            <a:avLst/>
+          </a:prstGeom>
+          <a:noFill/>
+          <a:ln w="12700">
+            <a:solidFill>
+              <a:prstClr val="black"/>
+            </a:solidFill>
+          </a:ln>
+        </p:spPr>
+        <p:txBody>
+          <a:bodyPr vert="horz" lIns="91440" tIns="45720" rIns="91440" bIns="45720" rtlCol="0" anchor="ctr"/>
+          <a:lstStyle/>
+          <a:p>
+            <a:endParaRPr lang="en-GB"/>
+          </a:p>
+        </p:txBody>
+      </p:sp>
+      <p:sp>
+        <p:nvSpPr>
+          <p:cNvPr id="5" name="Notes Placeholder 4"/>
+          <p:cNvSpPr>
+            <a:spLocks noGrp="1"/>
+          </p:cNvSpPr>
+          <p:nvPr>
+            <p:ph type="body" sz="quarter" idx="3"/>
+          </p:nvPr>
+        </p:nvSpPr>
+        <p:spPr>
+          <a:xfrm>
+            <a:off x="685800" y="4400550"/>
+            <a:ext cx="5486400" cy="3600450"/>
+          </a:xfrm>
+          <a:prstGeom prst="rect">
+            <a:avLst/>
+          </a:prstGeom>
+        </p:spPr>
+        <p:txBody>
+          <a:bodyPr vert="horz" lIns="91440" tIns="45720" rIns="91440" bIns="45720" rtlCol="0"/>
+          <a:lstStyle/>
+          <a:p>
+            <a:pPr lvl="0"/>
+            <a:r>
+              <a:rPr lang="en-US"/>
+              <a:t>Click to edit Master text styles</a:t>
+            </a:r>
+          </a:p>
+          <a:p>
+            <a:pPr lvl="1"/>
+            <a:r>
+              <a:rPr lang="en-US"/>
+              <a:t>Second level</a:t>
+            </a:r>
+          </a:p>
+          <a:p>
+            <a:pPr lvl="2"/>
+            <a:r>
+              <a:rPr lang="en-US"/>
+              <a:t>Third level</a:t>
+            </a:r>
+          </a:p>
+          <a:p>
+            <a:pPr lvl="3"/>
+            <a:r>
+              <a:rPr lang="en-US"/>
+              <a:t>Fourth level</a:t>
+            </a:r>
+          </a:p>
+          <a:p>
+            <a:pPr lvl="4"/>
+            <a:r>
+              <a:rPr lang="en-US"/>
+              <a:t>Fifth level</a:t>
+            </a:r>
+            <a:endParaRPr lang="en-GB"/>
+          </a:p>
+        </p:txBody>
+      </p:sp>
+      <p:sp>
+        <p:nvSpPr>
+          <p:cNvPr id="6" name="Footer Placeholder 5"/>
+          <p:cNvSpPr>
+            <a:spLocks noGrp="1"/>
+          </p:cNvSpPr>
+          <p:nvPr>
+            <p:ph type="ftr" sz="quarter" idx="4"/>
+          </p:nvPr>
+        </p:nvSpPr>
+        <p:spPr>
+          <a:xfrm>
+            <a:off x="0" y="8685213"/>
+            <a:ext cx="2971800" cy="458787"/>
+          </a:xfrm>
+          <a:prstGeom prst="rect">
+            <a:avLst/>
+          </a:prstGeom>
+        </p:spPr>
+        <p:txBody>
+          <a:bodyPr vert="horz" lIns="91440" tIns="45720" rIns="91440" bIns="45720" rtlCol="0" anchor="b"/>
+          <a:lstStyle>
+            <a:lvl1pPr algn="l">
+              <a:defRPr sz="1200"/>
+            </a:lvl1pPr>
+          </a:lstStyle>
+          <a:p>
+            <a:endParaRPr lang="en-GB"/>
+          </a:p>
+        </p:txBody>
+      </p:sp>
+      <p:sp>
+        <p:nvSpPr>
+          <p:cNvPr id="7" name="Slide Number Placeholder 6"/>
+          <p:cNvSpPr>
+            <a:spLocks noGrp="1"/>
+          </p:cNvSpPr>
+          <p:nvPr>
+            <p:ph type="sldNum" sz="quarter" idx="5"/>
+          </p:nvPr>
+        </p:nvSpPr>
+        <p:spPr>
+          <a:xfrm>
+            <a:off x="3884613" y="8685213"/>
+            <a:ext cx="2971800" cy="458787"/>
+          </a:xfrm>
+          <a:prstGeom prst="rect">
+            <a:avLst/>
+          </a:prstGeom>
+        </p:spPr>
+        <p:txBody>
+          <a:bodyPr vert="horz" lIns="91440" tIns="45720" rIns="91440" bIns="45720" rtlCol="0" anchor="b"/>
+          <a:lstStyle>
+            <a:lvl1pPr algn="r">
+              <a:defRPr sz="1200"/>
+            </a:lvl1pPr>
+          </a:lstStyle>
+          <a:p>
+            <a:fld id="{5CEE0A59-7B2B-4876-8FE1-7AA8ED5E32DF}" type="slidenum">
+              <a:rPr lang="en-GB" smtClean="0"/>
+              <a:t>‹#›</a:t>
+            </a:fld>
+            <a:endParaRPr lang="en-GB"/>
+          </a:p>
+        </p:txBody>
+      </p:sp>
+    </p:spTree>
+    <p:extLst>
+      <p:ext uri="{BB962C8B-B14F-4D97-AF65-F5344CB8AC3E}">
+        <p14:creationId xmlns:p14="http://schemas.microsoft.com/office/powerpoint/2010/main" val="142837509"/>
+      </p:ext>
+    </p:extLst>
+  </p:cSld>
+  <p:clrMap bg1="lt1" tx1="dk1" bg2="lt2" tx2="dk2" accent1="accent1" accent2="accent2" accent3="accent3" accent4="accent4" accent5="accent5" accent6="accent6" hlink="hlink" folHlink="folHlink"/>
+  <p:notesStyle>
+    <a:lvl1pPr marL="0" algn="l" defTabSz="914400" rtl="0" eaLnBrk="1" latinLnBrk="0" hangingPunct="1">
+      <a:defRPr sz="1200" kern="1200">
+        <a:solidFill>
+          <a:schemeClr val="tx1"/>
+        </a:solidFill>
+        <a:latin typeface="+mn-lt"/>
+        <a:ea typeface="+mn-ea"/>
+        <a:cs typeface="+mn-cs"/>
+      </a:defRPr>
+    </a:lvl1pPr>
+    <a:lvl2pPr marL="457200" algn="l" defTabSz="914400" rtl="0" eaLnBrk="1" latinLnBrk="0" hangingPunct="1">
+      <a:defRPr sz="1200" kern="1200">
+        <a:solidFill>
+          <a:schemeClr val="tx1"/>
+        </a:solidFill>
+        <a:latin typeface="+mn-lt"/>
+        <a:ea typeface="+mn-ea"/>
+        <a:cs typeface="+mn-cs"/>
+      </a:defRPr>
+    </a:lvl2pPr>
+    <a:lvl3pPr marL="914400" algn="l" defTabSz="914400" rtl="0" eaLnBrk="1" latinLnBrk="0" hangingPunct="1">
+      <a:defRPr sz="1200" kern="1200">
+        <a:solidFill>
+          <a:schemeClr val="tx1"/>
+        </a:solidFill>
+        <a:latin typeface="+mn-lt"/>
+        <a:ea typeface="+mn-ea"/>
+        <a:cs typeface="+mn-cs"/>
+      </a:defRPr>
+    </a:lvl3pPr>
+    <a:lvl4pPr marL="1371600" algn="l" defTabSz="914400" rtl="0" eaLnBrk="1" latinLnBrk="0" hangingPunct="1">
+      <a:defRPr sz="1200" kern="1200">
+        <a:solidFill>
+          <a:schemeClr val="tx1"/>
+        </a:solidFill>
+        <a:latin typeface="+mn-lt"/>
+        <a:ea typeface="+mn-ea"/>
+        <a:cs typeface="+mn-cs"/>
+      </a:defRPr>
+    </a:lvl4pPr>
+    <a:lvl5pPr marL="1828800" algn="l" defTabSz="914400" rtl="0" eaLnBrk="1" latinLnBrk="0" hangingPunct="1">
+      <a:defRPr sz="1200" kern="1200">
+        <a:solidFill>
+          <a:schemeClr val="tx1"/>
+        </a:solidFill>
+        <a:latin typeface="+mn-lt"/>
+        <a:ea typeface="+mn-ea"/>
+        <a:cs typeface="+mn-cs"/>
+      </a:defRPr>
+    </a:lvl5pPr>
+    <a:lvl6pPr marL="2286000" algn="l" defTabSz="914400" rtl="0" eaLnBrk="1" latinLnBrk="0" hangingPunct="1">
+      <a:defRPr sz="1200" kern="1200">
+        <a:solidFill>
+          <a:schemeClr val="tx1"/>
+        </a:solidFill>
+        <a:latin typeface="+mn-lt"/>
+        <a:ea typeface="+mn-ea"/>
+        <a:cs typeface="+mn-cs"/>
+      </a:defRPr>
+    </a:lvl6pPr>
+    <a:lvl7pPr marL="2743200" algn="l" defTabSz="914400" rtl="0" eaLnBrk="1" latinLnBrk="0" hangingPunct="1">
+      <a:defRPr sz="1200" kern="1200">
+        <a:solidFill>
+          <a:schemeClr val="tx1"/>
+        </a:solidFill>
+        <a:latin typeface="+mn-lt"/>
+        <a:ea typeface="+mn-ea"/>
+        <a:cs typeface="+mn-cs"/>
+      </a:defRPr>
+    </a:lvl7pPr>
+    <a:lvl8pPr marL="3200400" algn="l" defTabSz="914400" rtl="0" eaLnBrk="1" latinLnBrk="0" hangingPunct="1">
+      <a:defRPr sz="1200" kern="1200">
+        <a:solidFill>
+          <a:schemeClr val="tx1"/>
+        </a:solidFill>
+        <a:latin typeface="+mn-lt"/>
+        <a:ea typeface="+mn-ea"/>
+        <a:cs typeface="+mn-cs"/>
+      </a:defRPr>
+    </a:lvl8pPr>
+    <a:lvl9pPr marL="3657600" algn="l" defTabSz="914400" rtl="0" eaLnBrk="1" latinLnBrk="0" hangingPunct="1">
+      <a:defRPr sz="1200" kern="1200">
+        <a:solidFill>
+          <a:schemeClr val="tx1"/>
+        </a:solidFill>
+        <a:latin typeface="+mn-lt"/>
+        <a:ea typeface="+mn-ea"/>
+        <a:cs typeface="+mn-cs"/>
+      </a:defRPr>
+    </a:lvl9pPr>
+  </p:notesStyle>
+</p:notesMaster>
+</file>
+
 <file path=ppt/slideLayouts/slideLayout1.xml><?xml version="1.0" encoding="utf-8"?>
 <p:sldLayout xmlns:a="http://schemas.openxmlformats.org/drawingml/2006/main" xmlns:r="http://schemas.openxmlformats.org/officeDocument/2006/relationships" xmlns:p="http://schemas.openxmlformats.org/presentationml/2006/main" type="title" preserve="1">
   <p:cSld name="Title Slide">
@@ -282,11 +637,10 @@
           <a:bodyPr/>
           <a:lstStyle/>
           <a:p>
-            <a:fld id="{A1D51BA1-F58B-40DF-9C13-73BC69DE2A80}" type="datetimeFigureOut">
-              <a:rPr lang="en-GB" smtClean="0"/>
-              <a:t>25/11/2025</a:t>
-            </a:fld>
-            <a:endParaRPr lang="en-GB"/>
+            <a:r>
+              <a:rPr lang="en-GB"/>
+              <a:t>02/12/2025</a:t>
+            </a:r>
           </a:p>
         </p:txBody>
       </p:sp>
@@ -482,11 +836,10 @@
           <a:bodyPr/>
           <a:lstStyle/>
           <a:p>
-            <a:fld id="{A1D51BA1-F58B-40DF-9C13-73BC69DE2A80}" type="datetimeFigureOut">
-              <a:rPr lang="en-GB" smtClean="0"/>
-              <a:t>25/11/2025</a:t>
-            </a:fld>
-            <a:endParaRPr lang="en-GB"/>
+            <a:r>
+              <a:rPr lang="en-GB"/>
+              <a:t>02/12/2025</a:t>
+            </a:r>
           </a:p>
         </p:txBody>
       </p:sp>
@@ -692,11 +1045,10 @@
           <a:bodyPr/>
           <a:lstStyle/>
           <a:p>
-            <a:fld id="{A1D51BA1-F58B-40DF-9C13-73BC69DE2A80}" type="datetimeFigureOut">
-              <a:rPr lang="en-GB" smtClean="0"/>
-              <a:t>25/11/2025</a:t>
-            </a:fld>
-            <a:endParaRPr lang="en-GB"/>
+            <a:r>
+              <a:rPr lang="en-GB"/>
+              <a:t>02/12/2025</a:t>
+            </a:r>
           </a:p>
         </p:txBody>
       </p:sp>
@@ -892,11 +1244,10 @@
           <a:bodyPr/>
           <a:lstStyle/>
           <a:p>
-            <a:fld id="{A1D51BA1-F58B-40DF-9C13-73BC69DE2A80}" type="datetimeFigureOut">
-              <a:rPr lang="en-GB" smtClean="0"/>
-              <a:t>25/11/2025</a:t>
-            </a:fld>
-            <a:endParaRPr lang="en-GB"/>
+            <a:r>
+              <a:rPr lang="en-GB"/>
+              <a:t>02/12/2025</a:t>
+            </a:r>
           </a:p>
         </p:txBody>
       </p:sp>
@@ -1168,11 +1519,10 @@
           <a:bodyPr/>
           <a:lstStyle/>
           <a:p>
-            <a:fld id="{A1D51BA1-F58B-40DF-9C13-73BC69DE2A80}" type="datetimeFigureOut">
-              <a:rPr lang="en-GB" smtClean="0"/>
-              <a:t>25/11/2025</a:t>
-            </a:fld>
-            <a:endParaRPr lang="en-GB"/>
+            <a:r>
+              <a:rPr lang="en-GB"/>
+              <a:t>02/12/2025</a:t>
+            </a:r>
           </a:p>
         </p:txBody>
       </p:sp>
@@ -1436,11 +1786,10 @@
           <a:bodyPr/>
           <a:lstStyle/>
           <a:p>
-            <a:fld id="{A1D51BA1-F58B-40DF-9C13-73BC69DE2A80}" type="datetimeFigureOut">
-              <a:rPr lang="en-GB" smtClean="0"/>
-              <a:t>25/11/2025</a:t>
-            </a:fld>
-            <a:endParaRPr lang="en-GB"/>
+            <a:r>
+              <a:rPr lang="en-GB"/>
+              <a:t>02/12/2025</a:t>
+            </a:r>
           </a:p>
         </p:txBody>
       </p:sp>
@@ -1851,11 +2200,10 @@
           <a:bodyPr/>
           <a:lstStyle/>
           <a:p>
-            <a:fld id="{A1D51BA1-F58B-40DF-9C13-73BC69DE2A80}" type="datetimeFigureOut">
-              <a:rPr lang="en-GB" smtClean="0"/>
-              <a:t>25/11/2025</a:t>
-            </a:fld>
-            <a:endParaRPr lang="en-GB"/>
+            <a:r>
+              <a:rPr lang="en-GB"/>
+              <a:t>02/12/2025</a:t>
+            </a:r>
           </a:p>
         </p:txBody>
       </p:sp>
@@ -1993,11 +2341,10 @@
           <a:bodyPr/>
           <a:lstStyle/>
           <a:p>
-            <a:fld id="{A1D51BA1-F58B-40DF-9C13-73BC69DE2A80}" type="datetimeFigureOut">
-              <a:rPr lang="en-GB" smtClean="0"/>
-              <a:t>25/11/2025</a:t>
-            </a:fld>
-            <a:endParaRPr lang="en-GB"/>
+            <a:r>
+              <a:rPr lang="en-GB"/>
+              <a:t>02/12/2025</a:t>
+            </a:r>
           </a:p>
         </p:txBody>
       </p:sp>
@@ -2106,11 +2453,10 @@
           <a:bodyPr/>
           <a:lstStyle/>
           <a:p>
-            <a:fld id="{A1D51BA1-F58B-40DF-9C13-73BC69DE2A80}" type="datetimeFigureOut">
-              <a:rPr lang="en-GB" smtClean="0"/>
-              <a:t>25/11/2025</a:t>
-            </a:fld>
-            <a:endParaRPr lang="en-GB"/>
+            <a:r>
+              <a:rPr lang="en-GB"/>
+              <a:t>02/12/2025</a:t>
+            </a:r>
           </a:p>
         </p:txBody>
       </p:sp>
@@ -2419,11 +2765,10 @@
           <a:bodyPr/>
           <a:lstStyle/>
           <a:p>
-            <a:fld id="{A1D51BA1-F58B-40DF-9C13-73BC69DE2A80}" type="datetimeFigureOut">
-              <a:rPr lang="en-GB" smtClean="0"/>
-              <a:t>25/11/2025</a:t>
-            </a:fld>
-            <a:endParaRPr lang="en-GB"/>
+            <a:r>
+              <a:rPr lang="en-GB"/>
+              <a:t>02/12/2025</a:t>
+            </a:r>
           </a:p>
         </p:txBody>
       </p:sp>
@@ -2708,11 +3053,10 @@
           <a:bodyPr/>
           <a:lstStyle/>
           <a:p>
-            <a:fld id="{A1D51BA1-F58B-40DF-9C13-73BC69DE2A80}" type="datetimeFigureOut">
-              <a:rPr lang="en-GB" smtClean="0"/>
-              <a:t>25/11/2025</a:t>
-            </a:fld>
-            <a:endParaRPr lang="en-GB"/>
+            <a:r>
+              <a:rPr lang="en-GB"/>
+              <a:t>02/12/2025</a:t>
+            </a:r>
           </a:p>
         </p:txBody>
       </p:sp>
@@ -2951,11 +3295,10 @@
             </a:lvl1pPr>
           </a:lstStyle>
           <a:p>
-            <a:fld id="{A1D51BA1-F58B-40DF-9C13-73BC69DE2A80}" type="datetimeFigureOut">
-              <a:rPr lang="en-GB" smtClean="0"/>
-              <a:t>25/11/2025</a:t>
-            </a:fld>
-            <a:endParaRPr lang="en-GB"/>
+            <a:r>
+              <a:rPr lang="en-GB"/>
+              <a:t>02/12/2025</a:t>
+            </a:r>
           </a:p>
         </p:txBody>
       </p:sp>
@@ -3070,6 +3413,7 @@
     <p:sldLayoutId id="2147483658" r:id="rId10"/>
     <p:sldLayoutId id="2147483659" r:id="rId11"/>
   </p:sldLayoutIdLst>
+  <p:hf hdr="0" ftr="0"/>
   <p:txStyles>
     <p:titleStyle>
       <a:lvl1pPr algn="l" defTabSz="914400" rtl="0" eaLnBrk="1" latinLnBrk="0" hangingPunct="1">
@@ -3629,6 +3973,63 @@
           </a:prstGeom>
         </p:spPr>
       </p:pic>
+      <p:sp>
+        <p:nvSpPr>
+          <p:cNvPr id="5" name="Date Placeholder 4">
+            <a:extLst>
+              <a:ext uri="{FF2B5EF4-FFF2-40B4-BE49-F238E27FC236}">
+                <a16:creationId xmlns:a16="http://schemas.microsoft.com/office/drawing/2014/main" id="{E4BF15C5-BEB0-F2AA-E4DC-F162756B699E}"/>
+              </a:ext>
+            </a:extLst>
+          </p:cNvPr>
+          <p:cNvSpPr>
+            <a:spLocks noGrp="1"/>
+          </p:cNvSpPr>
+          <p:nvPr>
+            <p:ph type="dt" sz="half" idx="10"/>
+          </p:nvPr>
+        </p:nvSpPr>
+        <p:spPr/>
+        <p:txBody>
+          <a:bodyPr/>
+          <a:lstStyle/>
+          <a:p>
+            <a:r>
+              <a:rPr lang="en-GB" dirty="0"/>
+              <a:t>02/12/2025</a:t>
+            </a:r>
+          </a:p>
+        </p:txBody>
+      </p:sp>
+      <p:sp>
+        <p:nvSpPr>
+          <p:cNvPr id="7" name="Slide Number Placeholder 6">
+            <a:extLst>
+              <a:ext uri="{FF2B5EF4-FFF2-40B4-BE49-F238E27FC236}">
+                <a16:creationId xmlns:a16="http://schemas.microsoft.com/office/drawing/2014/main" id="{8AC79841-B489-755A-1EA5-9DA1BB86ACF9}"/>
+              </a:ext>
+            </a:extLst>
+          </p:cNvPr>
+          <p:cNvSpPr>
+            <a:spLocks noGrp="1"/>
+          </p:cNvSpPr>
+          <p:nvPr>
+            <p:ph type="sldNum" sz="quarter" idx="12"/>
+          </p:nvPr>
+        </p:nvSpPr>
+        <p:spPr/>
+        <p:txBody>
+          <a:bodyPr/>
+          <a:lstStyle/>
+          <a:p>
+            <a:fld id="{09FCE3CD-8E5B-4FEB-BC1E-3D61BE3CC713}" type="slidenum">
+              <a:rPr lang="en-GB" sz="1600" smtClean="0"/>
+              <a:t>1</a:t>
+            </a:fld>
+            <a:endParaRPr lang="en-GB" sz="1600" dirty="0"/>
+          </a:p>
+        </p:txBody>
+      </p:sp>
     </p:spTree>
     <p:extLst>
       <p:ext uri="{BB962C8B-B14F-4D97-AF65-F5344CB8AC3E}">
@@ -4178,6 +4579,63 @@
           </a:prstGeom>
         </p:spPr>
       </p:pic>
+      <p:sp>
+        <p:nvSpPr>
+          <p:cNvPr id="4" name="Date Placeholder 3">
+            <a:extLst>
+              <a:ext uri="{FF2B5EF4-FFF2-40B4-BE49-F238E27FC236}">
+                <a16:creationId xmlns:a16="http://schemas.microsoft.com/office/drawing/2014/main" id="{51989DE5-2714-1655-4051-E78CE90003BE}"/>
+              </a:ext>
+            </a:extLst>
+          </p:cNvPr>
+          <p:cNvSpPr>
+            <a:spLocks noGrp="1"/>
+          </p:cNvSpPr>
+          <p:nvPr>
+            <p:ph type="dt" sz="half" idx="10"/>
+          </p:nvPr>
+        </p:nvSpPr>
+        <p:spPr/>
+        <p:txBody>
+          <a:bodyPr/>
+          <a:lstStyle/>
+          <a:p>
+            <a:r>
+              <a:rPr lang="en-GB"/>
+              <a:t>02/12/2025</a:t>
+            </a:r>
+          </a:p>
+        </p:txBody>
+      </p:sp>
+      <p:sp>
+        <p:nvSpPr>
+          <p:cNvPr id="5" name="Slide Number Placeholder 4">
+            <a:extLst>
+              <a:ext uri="{FF2B5EF4-FFF2-40B4-BE49-F238E27FC236}">
+                <a16:creationId xmlns:a16="http://schemas.microsoft.com/office/drawing/2014/main" id="{1F1406DC-247F-FDFB-F99E-71A1033CC967}"/>
+              </a:ext>
+            </a:extLst>
+          </p:cNvPr>
+          <p:cNvSpPr>
+            <a:spLocks noGrp="1"/>
+          </p:cNvSpPr>
+          <p:nvPr>
+            <p:ph type="sldNum" sz="quarter" idx="12"/>
+          </p:nvPr>
+        </p:nvSpPr>
+        <p:spPr/>
+        <p:txBody>
+          <a:bodyPr/>
+          <a:lstStyle/>
+          <a:p>
+            <a:fld id="{09FCE3CD-8E5B-4FEB-BC1E-3D61BE3CC713}" type="slidenum">
+              <a:rPr lang="en-GB" smtClean="0"/>
+              <a:t>10</a:t>
+            </a:fld>
+            <a:endParaRPr lang="en-GB"/>
+          </a:p>
+        </p:txBody>
+      </p:sp>
     </p:spTree>
     <p:extLst>
       <p:ext uri="{BB962C8B-B14F-4D97-AF65-F5344CB8AC3E}">
@@ -4573,6 +5031,63 @@
           </a:prstGeom>
         </p:spPr>
       </p:pic>
+      <p:sp>
+        <p:nvSpPr>
+          <p:cNvPr id="5" name="Date Placeholder 4">
+            <a:extLst>
+              <a:ext uri="{FF2B5EF4-FFF2-40B4-BE49-F238E27FC236}">
+                <a16:creationId xmlns:a16="http://schemas.microsoft.com/office/drawing/2014/main" id="{3263C0B1-7FDA-B11C-3382-79F79D26292D}"/>
+              </a:ext>
+            </a:extLst>
+          </p:cNvPr>
+          <p:cNvSpPr>
+            <a:spLocks noGrp="1"/>
+          </p:cNvSpPr>
+          <p:nvPr>
+            <p:ph type="dt" sz="half" idx="10"/>
+          </p:nvPr>
+        </p:nvSpPr>
+        <p:spPr/>
+        <p:txBody>
+          <a:bodyPr/>
+          <a:lstStyle/>
+          <a:p>
+            <a:r>
+              <a:rPr lang="en-GB"/>
+              <a:t>02/12/2025</a:t>
+            </a:r>
+          </a:p>
+        </p:txBody>
+      </p:sp>
+      <p:sp>
+        <p:nvSpPr>
+          <p:cNvPr id="7" name="Slide Number Placeholder 6">
+            <a:extLst>
+              <a:ext uri="{FF2B5EF4-FFF2-40B4-BE49-F238E27FC236}">
+                <a16:creationId xmlns:a16="http://schemas.microsoft.com/office/drawing/2014/main" id="{9A384BCB-1FAF-2CB2-894F-79F03DD6F240}"/>
+              </a:ext>
+            </a:extLst>
+          </p:cNvPr>
+          <p:cNvSpPr>
+            <a:spLocks noGrp="1"/>
+          </p:cNvSpPr>
+          <p:nvPr>
+            <p:ph type="sldNum" sz="quarter" idx="12"/>
+          </p:nvPr>
+        </p:nvSpPr>
+        <p:spPr/>
+        <p:txBody>
+          <a:bodyPr/>
+          <a:lstStyle/>
+          <a:p>
+            <a:fld id="{09FCE3CD-8E5B-4FEB-BC1E-3D61BE3CC713}" type="slidenum">
+              <a:rPr lang="en-GB" smtClean="0"/>
+              <a:t>11</a:t>
+            </a:fld>
+            <a:endParaRPr lang="en-GB"/>
+          </a:p>
+        </p:txBody>
+      </p:sp>
     </p:spTree>
     <p:extLst>
       <p:ext uri="{BB962C8B-B14F-4D97-AF65-F5344CB8AC3E}">
@@ -4587,6 +5102,1078 @@
 </file>
 
 <file path=ppt/slides/slide12.xml><?xml version="1.0" encoding="utf-8"?>
+<p:sld xmlns:a="http://schemas.openxmlformats.org/drawingml/2006/main" xmlns:r="http://schemas.openxmlformats.org/officeDocument/2006/relationships" xmlns:p="http://schemas.openxmlformats.org/presentationml/2006/main">
+  <p:cSld>
+    <p:bg>
+      <p:bgPr>
+        <a:solidFill>
+          <a:schemeClr val="tx2"/>
+        </a:solidFill>
+        <a:effectLst/>
+      </p:bgPr>
+    </p:bg>
+    <p:spTree>
+      <p:nvGrpSpPr>
+        <p:cNvPr id="1" name="">
+          <a:extLst>
+            <a:ext uri="{FF2B5EF4-FFF2-40B4-BE49-F238E27FC236}">
+              <a16:creationId xmlns:a16="http://schemas.microsoft.com/office/drawing/2014/main" id="{E7C78A98-309D-D217-5A5F-156CDBE43220}"/>
+            </a:ext>
+          </a:extLst>
+        </p:cNvPr>
+        <p:cNvGrpSpPr/>
+        <p:nvPr/>
+      </p:nvGrpSpPr>
+      <p:grpSpPr>
+        <a:xfrm>
+          <a:off x="0" y="0"/>
+          <a:ext cx="0" cy="0"/>
+          <a:chOff x="0" y="0"/>
+          <a:chExt cx="0" cy="0"/>
+        </a:xfrm>
+      </p:grpSpPr>
+      <p:sp>
+        <p:nvSpPr>
+          <p:cNvPr id="2" name="Title 1">
+            <a:extLst>
+              <a:ext uri="{FF2B5EF4-FFF2-40B4-BE49-F238E27FC236}">
+                <a16:creationId xmlns:a16="http://schemas.microsoft.com/office/drawing/2014/main" id="{39BFC51F-1337-07F1-AC4C-00476E07B6E1}"/>
+              </a:ext>
+            </a:extLst>
+          </p:cNvPr>
+          <p:cNvSpPr>
+            <a:spLocks noGrp="1"/>
+          </p:cNvSpPr>
+          <p:nvPr>
+            <p:ph type="title"/>
+          </p:nvPr>
+        </p:nvSpPr>
+        <p:spPr>
+          <a:xfrm>
+            <a:off x="10884" y="-4988"/>
+            <a:ext cx="10515600" cy="1325563"/>
+          </a:xfrm>
+        </p:spPr>
+        <p:txBody>
+          <a:bodyPr/>
+          <a:lstStyle/>
+          <a:p>
+            <a:r>
+              <a:rPr lang="en-GB" dirty="0">
+                <a:solidFill>
+                  <a:schemeClr val="bg1"/>
+                </a:solidFill>
+              </a:rPr>
+              <a:t>Tools Recommended</a:t>
+            </a:r>
+          </a:p>
+        </p:txBody>
+      </p:sp>
+      <p:pic>
+        <p:nvPicPr>
+          <p:cNvPr id="4" name="Picture 3">
+            <a:extLst>
+              <a:ext uri="{FF2B5EF4-FFF2-40B4-BE49-F238E27FC236}">
+                <a16:creationId xmlns:a16="http://schemas.microsoft.com/office/drawing/2014/main" id="{E0CA63F7-C6E0-06E8-D73F-5433E13CA559}"/>
+              </a:ext>
+            </a:extLst>
+          </p:cNvPr>
+          <p:cNvPicPr>
+            <a:picLocks noChangeAspect="1"/>
+          </p:cNvPicPr>
+          <p:nvPr/>
+        </p:nvPicPr>
+        <p:blipFill>
+          <a:blip r:embed="rId2">
+            <a:extLst>
+              <a:ext uri="{28A0092B-C50C-407E-A947-70E740481C1C}">
+                <a14:useLocalDpi xmlns:a14="http://schemas.microsoft.com/office/drawing/2010/main" val="0"/>
+              </a:ext>
+            </a:extLst>
+          </a:blip>
+          <a:stretch>
+            <a:fillRect/>
+          </a:stretch>
+        </p:blipFill>
+        <p:spPr>
+          <a:xfrm>
+            <a:off x="10080966" y="0"/>
+            <a:ext cx="2100150" cy="566056"/>
+          </a:xfrm>
+          <a:prstGeom prst="rect">
+            <a:avLst/>
+          </a:prstGeom>
+        </p:spPr>
+      </p:pic>
+      <p:graphicFrame>
+        <p:nvGraphicFramePr>
+          <p:cNvPr id="5" name="Table 4">
+            <a:extLst>
+              <a:ext uri="{FF2B5EF4-FFF2-40B4-BE49-F238E27FC236}">
+                <a16:creationId xmlns:a16="http://schemas.microsoft.com/office/drawing/2014/main" id="{35A0FF4B-ECAE-2F5C-E83B-9C078682911D}"/>
+              </a:ext>
+            </a:extLst>
+          </p:cNvPr>
+          <p:cNvGraphicFramePr>
+            <a:graphicFrameLocks noGrp="1"/>
+          </p:cNvGraphicFramePr>
+          <p:nvPr>
+            <p:extLst>
+              <p:ext uri="{D42A27DB-BD31-4B8C-83A1-F6EECF244321}">
+                <p14:modId xmlns:p14="http://schemas.microsoft.com/office/powerpoint/2010/main" val="2161901100"/>
+              </p:ext>
+            </p:extLst>
+          </p:nvPr>
+        </p:nvGraphicFramePr>
+        <p:xfrm>
+          <a:off x="435429" y="1138921"/>
+          <a:ext cx="11286669" cy="5090160"/>
+        </p:xfrm>
+        <a:graphic>
+          <a:graphicData uri="http://schemas.openxmlformats.org/drawingml/2006/table">
+            <a:tbl>
+              <a:tblPr firstRow="1" bandRow="1">
+                <a:tableStyleId>{5C22544A-7EE6-4342-B048-85BDC9FD1C3A}</a:tableStyleId>
+              </a:tblPr>
+              <a:tblGrid>
+                <a:gridCol w="3762223">
+                  <a:extLst>
+                    <a:ext uri="{9D8B030D-6E8A-4147-A177-3AD203B41FA5}">
+                      <a16:colId xmlns:a16="http://schemas.microsoft.com/office/drawing/2014/main" val="1939397217"/>
+                    </a:ext>
+                  </a:extLst>
+                </a:gridCol>
+                <a:gridCol w="1707309">
+                  <a:extLst>
+                    <a:ext uri="{9D8B030D-6E8A-4147-A177-3AD203B41FA5}">
+                      <a16:colId xmlns:a16="http://schemas.microsoft.com/office/drawing/2014/main" val="3552057915"/>
+                    </a:ext>
+                  </a:extLst>
+                </a:gridCol>
+                <a:gridCol w="5817137">
+                  <a:extLst>
+                    <a:ext uri="{9D8B030D-6E8A-4147-A177-3AD203B41FA5}">
+                      <a16:colId xmlns:a16="http://schemas.microsoft.com/office/drawing/2014/main" val="2472720471"/>
+                    </a:ext>
+                  </a:extLst>
+                </a:gridCol>
+              </a:tblGrid>
+              <a:tr h="370840">
+                <a:tc>
+                  <a:txBody>
+                    <a:bodyPr/>
+                    <a:lstStyle/>
+                    <a:p>
+                      <a:r>
+                        <a:rPr lang="en-GB" dirty="0"/>
+                        <a:t>Name (Tool/Hardware)</a:t>
+                      </a:r>
+                    </a:p>
+                  </a:txBody>
+                  <a:tcPr/>
+                </a:tc>
+                <a:tc>
+                  <a:txBody>
+                    <a:bodyPr/>
+                    <a:lstStyle/>
+                    <a:p>
+                      <a:r>
+                        <a:rPr lang="en-GB" dirty="0"/>
+                        <a:t>Specifications</a:t>
+                      </a:r>
+                    </a:p>
+                  </a:txBody>
+                  <a:tcPr/>
+                </a:tc>
+                <a:tc>
+                  <a:txBody>
+                    <a:bodyPr/>
+                    <a:lstStyle/>
+                    <a:p>
+                      <a:r>
+                        <a:rPr lang="en-GB" dirty="0"/>
+                        <a:t>Description</a:t>
+                      </a:r>
+                    </a:p>
+                  </a:txBody>
+                  <a:tcPr/>
+                </a:tc>
+                <a:extLst>
+                  <a:ext uri="{0D108BD9-81ED-4DB2-BD59-A6C34878D82A}">
+                    <a16:rowId xmlns:a16="http://schemas.microsoft.com/office/drawing/2014/main" val="3083874814"/>
+                  </a:ext>
+                </a:extLst>
+              </a:tr>
+              <a:tr h="370840">
+                <a:tc>
+                  <a:txBody>
+                    <a:bodyPr/>
+                    <a:lstStyle/>
+                    <a:p>
+                      <a:r>
+                        <a:rPr lang="en-GB" dirty="0"/>
+                        <a:t>Screws</a:t>
+                      </a:r>
+                    </a:p>
+                  </a:txBody>
+                  <a:tcPr/>
+                </a:tc>
+                <a:tc>
+                  <a:txBody>
+                    <a:bodyPr/>
+                    <a:lstStyle/>
+                    <a:p>
+                      <a:r>
+                        <a:rPr lang="en-GB" dirty="0"/>
+                        <a:t>M2/M2.5/M3</a:t>
+                      </a:r>
+                    </a:p>
+                  </a:txBody>
+                  <a:tcPr/>
+                </a:tc>
+                <a:tc>
+                  <a:txBody>
+                    <a:bodyPr/>
+                    <a:lstStyle/>
+                    <a:p>
+                      <a:pPr marL="0" marR="0" lvl="0" indent="0" algn="l" defTabSz="914400" rtl="0" eaLnBrk="1" fontAlgn="auto" latinLnBrk="0" hangingPunct="1">
+                        <a:lnSpc>
+                          <a:spcPct val="100000"/>
+                        </a:lnSpc>
+                        <a:spcBef>
+                          <a:spcPts val="0"/>
+                        </a:spcBef>
+                        <a:spcAft>
+                          <a:spcPts val="0"/>
+                        </a:spcAft>
+                        <a:buClrTx/>
+                        <a:buSzTx/>
+                        <a:buFontTx/>
+                        <a:buNone/>
+                        <a:tabLst/>
+                        <a:defRPr/>
+                      </a:pPr>
+                      <a:r>
+                        <a:rPr lang="en-GB" dirty="0"/>
+                        <a:t>Length: 6mm, 8mm and 10mm</a:t>
+                      </a:r>
+                    </a:p>
+                  </a:txBody>
+                  <a:tcPr/>
+                </a:tc>
+                <a:extLst>
+                  <a:ext uri="{0D108BD9-81ED-4DB2-BD59-A6C34878D82A}">
+                    <a16:rowId xmlns:a16="http://schemas.microsoft.com/office/drawing/2014/main" val="3367816889"/>
+                  </a:ext>
+                </a:extLst>
+              </a:tr>
+              <a:tr h="370840">
+                <a:tc>
+                  <a:txBody>
+                    <a:bodyPr/>
+                    <a:lstStyle/>
+                    <a:p>
+                      <a:r>
+                        <a:rPr lang="en-GB" dirty="0"/>
+                        <a:t>Washers &amp; Nuts</a:t>
+                      </a:r>
+                    </a:p>
+                  </a:txBody>
+                  <a:tcPr/>
+                </a:tc>
+                <a:tc>
+                  <a:txBody>
+                    <a:bodyPr/>
+                    <a:lstStyle/>
+                    <a:p>
+                      <a:r>
+                        <a:rPr lang="en-GB" dirty="0"/>
+                        <a:t>M2/M2.5/M3</a:t>
+                      </a:r>
+                    </a:p>
+                  </a:txBody>
+                  <a:tcPr/>
+                </a:tc>
+                <a:tc>
+                  <a:txBody>
+                    <a:bodyPr/>
+                    <a:lstStyle/>
+                    <a:p>
+                      <a:r>
+                        <a:rPr lang="en-GB" dirty="0"/>
+                        <a:t>Nylon and/or metal</a:t>
+                      </a:r>
+                    </a:p>
+                  </a:txBody>
+                  <a:tcPr/>
+                </a:tc>
+                <a:extLst>
+                  <a:ext uri="{0D108BD9-81ED-4DB2-BD59-A6C34878D82A}">
+                    <a16:rowId xmlns:a16="http://schemas.microsoft.com/office/drawing/2014/main" val="2742489367"/>
+                  </a:ext>
+                </a:extLst>
+              </a:tr>
+              <a:tr h="370840">
+                <a:tc>
+                  <a:txBody>
+                    <a:bodyPr/>
+                    <a:lstStyle/>
+                    <a:p>
+                      <a:r>
+                        <a:rPr lang="en-GB" dirty="0"/>
+                        <a:t>Standoffs</a:t>
+                      </a:r>
+                    </a:p>
+                  </a:txBody>
+                  <a:tcPr/>
+                </a:tc>
+                <a:tc>
+                  <a:txBody>
+                    <a:bodyPr/>
+                    <a:lstStyle/>
+                    <a:p>
+                      <a:r>
+                        <a:rPr lang="en-GB" dirty="0"/>
+                        <a:t>M2/M2.5/M3</a:t>
+                      </a:r>
+                    </a:p>
+                  </a:txBody>
+                  <a:tcPr/>
+                </a:tc>
+                <a:tc>
+                  <a:txBody>
+                    <a:bodyPr/>
+                    <a:lstStyle/>
+                    <a:p>
+                      <a:r>
+                        <a:rPr lang="en-GB" dirty="0"/>
+                        <a:t>Length: 10mm, 12mm, 20mm, 25mm, and 30mm</a:t>
+                      </a:r>
+                    </a:p>
+                  </a:txBody>
+                  <a:tcPr/>
+                </a:tc>
+                <a:extLst>
+                  <a:ext uri="{0D108BD9-81ED-4DB2-BD59-A6C34878D82A}">
+                    <a16:rowId xmlns:a16="http://schemas.microsoft.com/office/drawing/2014/main" val="1308287836"/>
+                  </a:ext>
+                </a:extLst>
+              </a:tr>
+              <a:tr h="370840">
+                <a:tc>
+                  <a:txBody>
+                    <a:bodyPr/>
+                    <a:lstStyle/>
+                    <a:p>
+                      <a:r>
+                        <a:rPr lang="en-GB" dirty="0"/>
+                        <a:t>Screw Drivers</a:t>
+                      </a:r>
+                    </a:p>
+                  </a:txBody>
+                  <a:tcPr/>
+                </a:tc>
+                <a:tc>
+                  <a:txBody>
+                    <a:bodyPr/>
+                    <a:lstStyle/>
+                    <a:p>
+                      <a:r>
+                        <a:rPr lang="en-GB" dirty="0"/>
+                        <a:t>M2/M2.5/M3</a:t>
+                      </a:r>
+                    </a:p>
+                  </a:txBody>
+                  <a:tcPr/>
+                </a:tc>
+                <a:tc>
+                  <a:txBody>
+                    <a:bodyPr/>
+                    <a:lstStyle/>
+                    <a:p>
+                      <a:r>
+                        <a:rPr lang="en-GB" dirty="0"/>
+                        <a:t>Hex, Philips, Flat Head</a:t>
+                      </a:r>
+                    </a:p>
+                  </a:txBody>
+                  <a:tcPr/>
+                </a:tc>
+                <a:extLst>
+                  <a:ext uri="{0D108BD9-81ED-4DB2-BD59-A6C34878D82A}">
+                    <a16:rowId xmlns:a16="http://schemas.microsoft.com/office/drawing/2014/main" val="775007103"/>
+                  </a:ext>
+                </a:extLst>
+              </a:tr>
+              <a:tr h="370840">
+                <a:tc>
+                  <a:txBody>
+                    <a:bodyPr/>
+                    <a:lstStyle/>
+                    <a:p>
+                      <a:r>
+                        <a:rPr lang="en-GB" dirty="0"/>
+                        <a:t>Jumper Cables</a:t>
+                      </a:r>
+                    </a:p>
+                  </a:txBody>
+                  <a:tcPr/>
+                </a:tc>
+                <a:tc>
+                  <a:txBody>
+                    <a:bodyPr/>
+                    <a:lstStyle/>
+                    <a:p>
+                      <a:r>
+                        <a:rPr lang="en-GB" dirty="0"/>
+                        <a:t>Dupont, JST</a:t>
+                      </a:r>
+                    </a:p>
+                  </a:txBody>
+                  <a:tcPr/>
+                </a:tc>
+                <a:tc>
+                  <a:txBody>
+                    <a:bodyPr/>
+                    <a:lstStyle/>
+                    <a:p>
+                      <a:r>
+                        <a:rPr lang="en-GB" dirty="0"/>
+                        <a:t>Stock of cables</a:t>
+                      </a:r>
+                    </a:p>
+                  </a:txBody>
+                  <a:tcPr/>
+                </a:tc>
+                <a:extLst>
+                  <a:ext uri="{0D108BD9-81ED-4DB2-BD59-A6C34878D82A}">
+                    <a16:rowId xmlns:a16="http://schemas.microsoft.com/office/drawing/2014/main" val="3631962772"/>
+                  </a:ext>
+                </a:extLst>
+              </a:tr>
+              <a:tr h="370840">
+                <a:tc>
+                  <a:txBody>
+                    <a:bodyPr/>
+                    <a:lstStyle/>
+                    <a:p>
+                      <a:r>
+                        <a:rPr lang="en-GB" dirty="0" err="1"/>
+                        <a:t>Multimeter</a:t>
+                      </a:r>
+                      <a:endParaRPr lang="en-GB" dirty="0"/>
+                    </a:p>
+                  </a:txBody>
+                  <a:tcPr/>
+                </a:tc>
+                <a:tc>
+                  <a:txBody>
+                    <a:bodyPr/>
+                    <a:lstStyle/>
+                    <a:p>
+                      <a:r>
+                        <a:rPr lang="en-GB" dirty="0"/>
+                        <a:t>Digital</a:t>
+                      </a:r>
+                    </a:p>
+                  </a:txBody>
+                  <a:tcPr/>
+                </a:tc>
+                <a:tc>
+                  <a:txBody>
+                    <a:bodyPr/>
+                    <a:lstStyle/>
+                    <a:p>
+                      <a:endParaRPr lang="en-GB" dirty="0"/>
+                    </a:p>
+                  </a:txBody>
+                  <a:tcPr/>
+                </a:tc>
+                <a:extLst>
+                  <a:ext uri="{0D108BD9-81ED-4DB2-BD59-A6C34878D82A}">
+                    <a16:rowId xmlns:a16="http://schemas.microsoft.com/office/drawing/2014/main" val="2561823302"/>
+                  </a:ext>
+                </a:extLst>
+              </a:tr>
+              <a:tr h="370840">
+                <a:tc>
+                  <a:txBody>
+                    <a:bodyPr/>
+                    <a:lstStyle/>
+                    <a:p>
+                      <a:r>
+                        <a:rPr lang="en-GB" dirty="0"/>
+                        <a:t>Soldering Station</a:t>
+                      </a:r>
+                    </a:p>
+                  </a:txBody>
+                  <a:tcPr/>
+                </a:tc>
+                <a:tc>
+                  <a:txBody>
+                    <a:bodyPr/>
+                    <a:lstStyle/>
+                    <a:p>
+                      <a:r>
+                        <a:rPr lang="en-GB" dirty="0"/>
+                        <a:t>-</a:t>
+                      </a:r>
+                    </a:p>
+                  </a:txBody>
+                  <a:tcPr/>
+                </a:tc>
+                <a:tc>
+                  <a:txBody>
+                    <a:bodyPr/>
+                    <a:lstStyle/>
+                    <a:p>
+                      <a:r>
+                        <a:rPr lang="en-GB" dirty="0"/>
+                        <a:t>Weller or Hacko brand</a:t>
+                      </a:r>
+                    </a:p>
+                  </a:txBody>
+                  <a:tcPr/>
+                </a:tc>
+                <a:extLst>
+                  <a:ext uri="{0D108BD9-81ED-4DB2-BD59-A6C34878D82A}">
+                    <a16:rowId xmlns:a16="http://schemas.microsoft.com/office/drawing/2014/main" val="2301927747"/>
+                  </a:ext>
+                </a:extLst>
+              </a:tr>
+              <a:tr h="370840">
+                <a:tc>
+                  <a:txBody>
+                    <a:bodyPr/>
+                    <a:lstStyle/>
+                    <a:p>
+                      <a:r>
+                        <a:rPr lang="en-GB" dirty="0"/>
+                        <a:t>Plastic Containers</a:t>
+                      </a:r>
+                    </a:p>
+                  </a:txBody>
+                  <a:tcPr/>
+                </a:tc>
+                <a:tc>
+                  <a:txBody>
+                    <a:bodyPr/>
+                    <a:lstStyle/>
+                    <a:p>
+                      <a:r>
+                        <a:rPr lang="en-GB" dirty="0"/>
+                        <a:t>-</a:t>
+                      </a:r>
+                    </a:p>
+                  </a:txBody>
+                  <a:tcPr/>
+                </a:tc>
+                <a:tc>
+                  <a:txBody>
+                    <a:bodyPr/>
+                    <a:lstStyle/>
+                    <a:p>
+                      <a:r>
+                        <a:rPr lang="en-GB" dirty="0"/>
+                        <a:t>For organising the components, PCB Boards etc.</a:t>
+                      </a:r>
+                    </a:p>
+                  </a:txBody>
+                  <a:tcPr/>
+                </a:tc>
+                <a:extLst>
+                  <a:ext uri="{0D108BD9-81ED-4DB2-BD59-A6C34878D82A}">
+                    <a16:rowId xmlns:a16="http://schemas.microsoft.com/office/drawing/2014/main" val="4041086217"/>
+                  </a:ext>
+                </a:extLst>
+              </a:tr>
+              <a:tr h="370840">
+                <a:tc>
+                  <a:txBody>
+                    <a:bodyPr/>
+                    <a:lstStyle/>
+                    <a:p>
+                      <a:r>
+                        <a:rPr lang="en-GB" dirty="0"/>
+                        <a:t>Inventory List</a:t>
+                      </a:r>
+                    </a:p>
+                  </a:txBody>
+                  <a:tcPr/>
+                </a:tc>
+                <a:tc>
+                  <a:txBody>
+                    <a:bodyPr/>
+                    <a:lstStyle/>
+                    <a:p>
+                      <a:r>
+                        <a:rPr lang="en-GB" dirty="0"/>
+                        <a:t>-</a:t>
+                      </a:r>
+                    </a:p>
+                  </a:txBody>
+                  <a:tcPr/>
+                </a:tc>
+                <a:tc>
+                  <a:txBody>
+                    <a:bodyPr/>
+                    <a:lstStyle/>
+                    <a:p>
+                      <a:r>
+                        <a:rPr lang="en-GB" dirty="0"/>
+                        <a:t>Due to small components highly recommended to keep a strict registry of components</a:t>
+                      </a:r>
+                    </a:p>
+                  </a:txBody>
+                  <a:tcPr/>
+                </a:tc>
+                <a:extLst>
+                  <a:ext uri="{0D108BD9-81ED-4DB2-BD59-A6C34878D82A}">
+                    <a16:rowId xmlns:a16="http://schemas.microsoft.com/office/drawing/2014/main" val="446104976"/>
+                  </a:ext>
+                </a:extLst>
+              </a:tr>
+              <a:tr h="370840">
+                <a:tc>
+                  <a:txBody>
+                    <a:bodyPr/>
+                    <a:lstStyle/>
+                    <a:p>
+                      <a:r>
+                        <a:rPr lang="en-GB" dirty="0"/>
+                        <a:t>Magnifying Lens</a:t>
+                      </a:r>
+                    </a:p>
+                  </a:txBody>
+                  <a:tcPr/>
+                </a:tc>
+                <a:tc>
+                  <a:txBody>
+                    <a:bodyPr/>
+                    <a:lstStyle/>
+                    <a:p>
+                      <a:r>
+                        <a:rPr lang="en-GB" dirty="0"/>
+                        <a:t>-</a:t>
+                      </a:r>
+                    </a:p>
+                  </a:txBody>
+                  <a:tcPr/>
+                </a:tc>
+                <a:tc>
+                  <a:txBody>
+                    <a:bodyPr/>
+                    <a:lstStyle/>
+                    <a:p>
+                      <a:r>
+                        <a:rPr lang="en-GB" dirty="0"/>
+                        <a:t>To read small prints on PCBs &amp; Components</a:t>
+                      </a:r>
+                    </a:p>
+                  </a:txBody>
+                  <a:tcPr/>
+                </a:tc>
+                <a:extLst>
+                  <a:ext uri="{0D108BD9-81ED-4DB2-BD59-A6C34878D82A}">
+                    <a16:rowId xmlns:a16="http://schemas.microsoft.com/office/drawing/2014/main" val="4090371519"/>
+                  </a:ext>
+                </a:extLst>
+              </a:tr>
+              <a:tr h="370840">
+                <a:tc>
+                  <a:txBody>
+                    <a:bodyPr/>
+                    <a:lstStyle/>
+                    <a:p>
+                      <a:r>
+                        <a:rPr lang="en-GB" dirty="0"/>
+                        <a:t>Batteries &amp; Battery Charger</a:t>
+                      </a:r>
+                    </a:p>
+                  </a:txBody>
+                  <a:tcPr/>
+                </a:tc>
+                <a:tc>
+                  <a:txBody>
+                    <a:bodyPr/>
+                    <a:lstStyle/>
+                    <a:p>
+                      <a:r>
+                        <a:rPr lang="en-GB" dirty="0"/>
+                        <a:t>-</a:t>
+                      </a:r>
+                    </a:p>
+                  </a:txBody>
+                  <a:tcPr/>
+                </a:tc>
+                <a:tc>
+                  <a:txBody>
+                    <a:bodyPr/>
+                    <a:lstStyle/>
+                    <a:p>
+                      <a:r>
+                        <a:rPr lang="en-GB" dirty="0"/>
+                        <a:t>Large storage and large capacity chargers</a:t>
+                      </a:r>
+                    </a:p>
+                  </a:txBody>
+                  <a:tcPr/>
+                </a:tc>
+                <a:extLst>
+                  <a:ext uri="{0D108BD9-81ED-4DB2-BD59-A6C34878D82A}">
+                    <a16:rowId xmlns:a16="http://schemas.microsoft.com/office/drawing/2014/main" val="912974949"/>
+                  </a:ext>
+                </a:extLst>
+              </a:tr>
+              <a:tr h="370840">
+                <a:tc>
+                  <a:txBody>
+                    <a:bodyPr/>
+                    <a:lstStyle/>
+                    <a:p>
+                      <a:r>
+                        <a:rPr lang="en-GB" dirty="0"/>
+                        <a:t>Cutting pliers, scissors, etc. </a:t>
+                      </a:r>
+                    </a:p>
+                  </a:txBody>
+                  <a:tcPr/>
+                </a:tc>
+                <a:tc>
+                  <a:txBody>
+                    <a:bodyPr/>
+                    <a:lstStyle/>
+                    <a:p>
+                      <a:r>
+                        <a:rPr lang="en-GB" dirty="0"/>
+                        <a:t>-</a:t>
+                      </a:r>
+                    </a:p>
+                  </a:txBody>
+                  <a:tcPr/>
+                </a:tc>
+                <a:tc>
+                  <a:txBody>
+                    <a:bodyPr/>
+                    <a:lstStyle/>
+                    <a:p>
+                      <a:endParaRPr lang="en-GB" dirty="0"/>
+                    </a:p>
+                  </a:txBody>
+                  <a:tcPr/>
+                </a:tc>
+                <a:extLst>
+                  <a:ext uri="{0D108BD9-81ED-4DB2-BD59-A6C34878D82A}">
+                    <a16:rowId xmlns:a16="http://schemas.microsoft.com/office/drawing/2014/main" val="3097125785"/>
+                  </a:ext>
+                </a:extLst>
+              </a:tr>
+            </a:tbl>
+          </a:graphicData>
+        </a:graphic>
+      </p:graphicFrame>
+      <p:sp>
+        <p:nvSpPr>
+          <p:cNvPr id="7" name="Date Placeholder 6">
+            <a:extLst>
+              <a:ext uri="{FF2B5EF4-FFF2-40B4-BE49-F238E27FC236}">
+                <a16:creationId xmlns:a16="http://schemas.microsoft.com/office/drawing/2014/main" id="{8E87E399-7C8B-93FB-2077-9989E0235EAA}"/>
+              </a:ext>
+            </a:extLst>
+          </p:cNvPr>
+          <p:cNvSpPr>
+            <a:spLocks noGrp="1"/>
+          </p:cNvSpPr>
+          <p:nvPr>
+            <p:ph type="dt" sz="half" idx="10"/>
+          </p:nvPr>
+        </p:nvSpPr>
+        <p:spPr/>
+        <p:txBody>
+          <a:bodyPr/>
+          <a:lstStyle/>
+          <a:p>
+            <a:r>
+              <a:rPr lang="en-GB"/>
+              <a:t>02/12/2025</a:t>
+            </a:r>
+          </a:p>
+        </p:txBody>
+      </p:sp>
+      <p:sp>
+        <p:nvSpPr>
+          <p:cNvPr id="8" name="Slide Number Placeholder 7">
+            <a:extLst>
+              <a:ext uri="{FF2B5EF4-FFF2-40B4-BE49-F238E27FC236}">
+                <a16:creationId xmlns:a16="http://schemas.microsoft.com/office/drawing/2014/main" id="{ECBA3D7F-D091-C2E8-417D-2E5DADE1A2EA}"/>
+              </a:ext>
+            </a:extLst>
+          </p:cNvPr>
+          <p:cNvSpPr>
+            <a:spLocks noGrp="1"/>
+          </p:cNvSpPr>
+          <p:nvPr>
+            <p:ph type="sldNum" sz="quarter" idx="12"/>
+          </p:nvPr>
+        </p:nvSpPr>
+        <p:spPr/>
+        <p:txBody>
+          <a:bodyPr/>
+          <a:lstStyle/>
+          <a:p>
+            <a:fld id="{09FCE3CD-8E5B-4FEB-BC1E-3D61BE3CC713}" type="slidenum">
+              <a:rPr lang="en-GB" smtClean="0"/>
+              <a:t>12</a:t>
+            </a:fld>
+            <a:endParaRPr lang="en-GB"/>
+          </a:p>
+        </p:txBody>
+      </p:sp>
+    </p:spTree>
+    <p:extLst>
+      <p:ext uri="{BB962C8B-B14F-4D97-AF65-F5344CB8AC3E}">
+        <p14:creationId xmlns:p14="http://schemas.microsoft.com/office/powerpoint/2010/main" val="4270733887"/>
+      </p:ext>
+    </p:extLst>
+  </p:cSld>
+  <p:clrMapOvr>
+    <a:masterClrMapping/>
+  </p:clrMapOvr>
+</p:sld>
+</file>
+
+<file path=ppt/slides/slide13.xml><?xml version="1.0" encoding="utf-8"?>
+<p:sld xmlns:a="http://schemas.openxmlformats.org/drawingml/2006/main" xmlns:r="http://schemas.openxmlformats.org/officeDocument/2006/relationships" xmlns:p="http://schemas.openxmlformats.org/presentationml/2006/main">
+  <p:cSld>
+    <p:bg>
+      <p:bgPr>
+        <a:solidFill>
+          <a:schemeClr val="tx2"/>
+        </a:solidFill>
+        <a:effectLst/>
+      </p:bgPr>
+    </p:bg>
+    <p:spTree>
+      <p:nvGrpSpPr>
+        <p:cNvPr id="1" name="">
+          <a:extLst>
+            <a:ext uri="{FF2B5EF4-FFF2-40B4-BE49-F238E27FC236}">
+              <a16:creationId xmlns:a16="http://schemas.microsoft.com/office/drawing/2014/main" id="{13079D49-9492-60D3-90E8-1B518FD49CA1}"/>
+            </a:ext>
+          </a:extLst>
+        </p:cNvPr>
+        <p:cNvGrpSpPr/>
+        <p:nvPr/>
+      </p:nvGrpSpPr>
+      <p:grpSpPr>
+        <a:xfrm>
+          <a:off x="0" y="0"/>
+          <a:ext cx="0" cy="0"/>
+          <a:chOff x="0" y="0"/>
+          <a:chExt cx="0" cy="0"/>
+        </a:xfrm>
+      </p:grpSpPr>
+      <p:sp>
+        <p:nvSpPr>
+          <p:cNvPr id="2" name="Title 1">
+            <a:extLst>
+              <a:ext uri="{FF2B5EF4-FFF2-40B4-BE49-F238E27FC236}">
+                <a16:creationId xmlns:a16="http://schemas.microsoft.com/office/drawing/2014/main" id="{6B382838-7D45-88A5-D3F2-18150972E290}"/>
+              </a:ext>
+            </a:extLst>
+          </p:cNvPr>
+          <p:cNvSpPr>
+            <a:spLocks noGrp="1"/>
+          </p:cNvSpPr>
+          <p:nvPr>
+            <p:ph type="title"/>
+          </p:nvPr>
+        </p:nvSpPr>
+        <p:spPr>
+          <a:xfrm>
+            <a:off x="10884" y="-4988"/>
+            <a:ext cx="10515600" cy="1325563"/>
+          </a:xfrm>
+        </p:spPr>
+        <p:txBody>
+          <a:bodyPr/>
+          <a:lstStyle/>
+          <a:p>
+            <a:r>
+              <a:rPr lang="en-GB" dirty="0">
+                <a:solidFill>
+                  <a:schemeClr val="bg1"/>
+                </a:solidFill>
+              </a:rPr>
+              <a:t>Routine Restock</a:t>
+            </a:r>
+          </a:p>
+        </p:txBody>
+      </p:sp>
+      <p:pic>
+        <p:nvPicPr>
+          <p:cNvPr id="4" name="Picture 3">
+            <a:extLst>
+              <a:ext uri="{FF2B5EF4-FFF2-40B4-BE49-F238E27FC236}">
+                <a16:creationId xmlns:a16="http://schemas.microsoft.com/office/drawing/2014/main" id="{C4C46F09-F1B4-9462-3FA1-BA9524E90EA7}"/>
+              </a:ext>
+            </a:extLst>
+          </p:cNvPr>
+          <p:cNvPicPr>
+            <a:picLocks noChangeAspect="1"/>
+          </p:cNvPicPr>
+          <p:nvPr/>
+        </p:nvPicPr>
+        <p:blipFill>
+          <a:blip r:embed="rId2">
+            <a:extLst>
+              <a:ext uri="{28A0092B-C50C-407E-A947-70E740481C1C}">
+                <a14:useLocalDpi xmlns:a14="http://schemas.microsoft.com/office/drawing/2010/main" val="0"/>
+              </a:ext>
+            </a:extLst>
+          </a:blip>
+          <a:stretch>
+            <a:fillRect/>
+          </a:stretch>
+        </p:blipFill>
+        <p:spPr>
+          <a:xfrm>
+            <a:off x="10080966" y="0"/>
+            <a:ext cx="2100150" cy="566056"/>
+          </a:xfrm>
+          <a:prstGeom prst="rect">
+            <a:avLst/>
+          </a:prstGeom>
+        </p:spPr>
+      </p:pic>
+      <p:sp>
+        <p:nvSpPr>
+          <p:cNvPr id="3" name="TextBox 2">
+            <a:extLst>
+              <a:ext uri="{FF2B5EF4-FFF2-40B4-BE49-F238E27FC236}">
+                <a16:creationId xmlns:a16="http://schemas.microsoft.com/office/drawing/2014/main" id="{2D74852D-728A-DF3B-FACA-D38859119E35}"/>
+              </a:ext>
+            </a:extLst>
+          </p:cNvPr>
+          <p:cNvSpPr txBox="1"/>
+          <p:nvPr/>
+        </p:nvSpPr>
+        <p:spPr>
+          <a:xfrm>
+            <a:off x="735301" y="1320575"/>
+            <a:ext cx="10760013" cy="1569660"/>
+          </a:xfrm>
+          <a:prstGeom prst="rect">
+            <a:avLst/>
+          </a:prstGeom>
+          <a:noFill/>
+        </p:spPr>
+        <p:txBody>
+          <a:bodyPr wrap="square" rtlCol="0">
+            <a:spAutoFit/>
+          </a:bodyPr>
+          <a:lstStyle/>
+          <a:p>
+            <a:pPr marL="342900" indent="-342900">
+              <a:buFont typeface="Arial" panose="020B0604020202020204" pitchFamily="34" charset="0"/>
+              <a:buChar char="•"/>
+            </a:pPr>
+            <a:r>
+              <a:rPr lang="en-GB" sz="3200" dirty="0">
+                <a:solidFill>
+                  <a:schemeClr val="accent1"/>
+                </a:solidFill>
+              </a:rPr>
+              <a:t>Look out for new types of sensors &amp; purchase them to extend the AI &amp; Robotics lab capabilities</a:t>
+            </a:r>
+          </a:p>
+          <a:p>
+            <a:pPr marL="342900" indent="-342900">
+              <a:buFont typeface="Arial" panose="020B0604020202020204" pitchFamily="34" charset="0"/>
+              <a:buChar char="•"/>
+            </a:pPr>
+            <a:r>
+              <a:rPr lang="en-GB" sz="3200" dirty="0">
+                <a:solidFill>
+                  <a:schemeClr val="accent1"/>
+                </a:solidFill>
+              </a:rPr>
+              <a:t>Replace/restock damaged sensors at regular intervals</a:t>
+            </a:r>
+          </a:p>
+        </p:txBody>
+      </p:sp>
+      <p:sp>
+        <p:nvSpPr>
+          <p:cNvPr id="6" name="Date Placeholder 5">
+            <a:extLst>
+              <a:ext uri="{FF2B5EF4-FFF2-40B4-BE49-F238E27FC236}">
+                <a16:creationId xmlns:a16="http://schemas.microsoft.com/office/drawing/2014/main" id="{243B2F02-B903-DE9D-422E-3DA067A84E0C}"/>
+              </a:ext>
+            </a:extLst>
+          </p:cNvPr>
+          <p:cNvSpPr>
+            <a:spLocks noGrp="1"/>
+          </p:cNvSpPr>
+          <p:nvPr>
+            <p:ph type="dt" sz="half" idx="10"/>
+          </p:nvPr>
+        </p:nvSpPr>
+        <p:spPr/>
+        <p:txBody>
+          <a:bodyPr/>
+          <a:lstStyle/>
+          <a:p>
+            <a:r>
+              <a:rPr lang="en-GB"/>
+              <a:t>02/12/2025</a:t>
+            </a:r>
+          </a:p>
+        </p:txBody>
+      </p:sp>
+      <p:sp>
+        <p:nvSpPr>
+          <p:cNvPr id="7" name="Slide Number Placeholder 6">
+            <a:extLst>
+              <a:ext uri="{FF2B5EF4-FFF2-40B4-BE49-F238E27FC236}">
+                <a16:creationId xmlns:a16="http://schemas.microsoft.com/office/drawing/2014/main" id="{C548C2A0-1F87-381B-2391-BAC57B37F7EA}"/>
+              </a:ext>
+            </a:extLst>
+          </p:cNvPr>
+          <p:cNvSpPr>
+            <a:spLocks noGrp="1"/>
+          </p:cNvSpPr>
+          <p:nvPr>
+            <p:ph type="sldNum" sz="quarter" idx="12"/>
+          </p:nvPr>
+        </p:nvSpPr>
+        <p:spPr/>
+        <p:txBody>
+          <a:bodyPr/>
+          <a:lstStyle/>
+          <a:p>
+            <a:fld id="{09FCE3CD-8E5B-4FEB-BC1E-3D61BE3CC713}" type="slidenum">
+              <a:rPr lang="en-GB" smtClean="0"/>
+              <a:t>13</a:t>
+            </a:fld>
+            <a:endParaRPr lang="en-GB"/>
+          </a:p>
+        </p:txBody>
+      </p:sp>
+    </p:spTree>
+    <p:extLst>
+      <p:ext uri="{BB962C8B-B14F-4D97-AF65-F5344CB8AC3E}">
+        <p14:creationId xmlns:p14="http://schemas.microsoft.com/office/powerpoint/2010/main" val="3328820796"/>
+      </p:ext>
+    </p:extLst>
+  </p:cSld>
+  <p:clrMapOvr>
+    <a:masterClrMapping/>
+  </p:clrMapOvr>
+</p:sld>
+</file>
+
+<file path=ppt/slides/slide14.xml><?xml version="1.0" encoding="utf-8"?>
 <p:sld xmlns:a="http://schemas.openxmlformats.org/drawingml/2006/main" xmlns:r="http://schemas.openxmlformats.org/officeDocument/2006/relationships" xmlns:p="http://schemas.openxmlformats.org/presentationml/2006/main">
   <p:cSld>
     <p:bg>
@@ -4670,6 +6257,63 @@
           </a:p>
         </p:txBody>
       </p:sp>
+      <p:sp>
+        <p:nvSpPr>
+          <p:cNvPr id="3" name="Date Placeholder 2">
+            <a:extLst>
+              <a:ext uri="{FF2B5EF4-FFF2-40B4-BE49-F238E27FC236}">
+                <a16:creationId xmlns:a16="http://schemas.microsoft.com/office/drawing/2014/main" id="{3616A267-B597-4C4C-3D70-02815718078B}"/>
+              </a:ext>
+            </a:extLst>
+          </p:cNvPr>
+          <p:cNvSpPr>
+            <a:spLocks noGrp="1"/>
+          </p:cNvSpPr>
+          <p:nvPr>
+            <p:ph type="dt" sz="half" idx="10"/>
+          </p:nvPr>
+        </p:nvSpPr>
+        <p:spPr/>
+        <p:txBody>
+          <a:bodyPr/>
+          <a:lstStyle/>
+          <a:p>
+            <a:r>
+              <a:rPr lang="en-GB"/>
+              <a:t>02/12/2025</a:t>
+            </a:r>
+          </a:p>
+        </p:txBody>
+      </p:sp>
+      <p:sp>
+        <p:nvSpPr>
+          <p:cNvPr id="4" name="Slide Number Placeholder 3">
+            <a:extLst>
+              <a:ext uri="{FF2B5EF4-FFF2-40B4-BE49-F238E27FC236}">
+                <a16:creationId xmlns:a16="http://schemas.microsoft.com/office/drawing/2014/main" id="{9DDE434B-4D30-8DAA-ABD5-8ABA119E587A}"/>
+              </a:ext>
+            </a:extLst>
+          </p:cNvPr>
+          <p:cNvSpPr>
+            <a:spLocks noGrp="1"/>
+          </p:cNvSpPr>
+          <p:nvPr>
+            <p:ph type="sldNum" sz="quarter" idx="12"/>
+          </p:nvPr>
+        </p:nvSpPr>
+        <p:spPr/>
+        <p:txBody>
+          <a:bodyPr/>
+          <a:lstStyle/>
+          <a:p>
+            <a:fld id="{09FCE3CD-8E5B-4FEB-BC1E-3D61BE3CC713}" type="slidenum">
+              <a:rPr lang="en-GB" smtClean="0"/>
+              <a:t>14</a:t>
+            </a:fld>
+            <a:endParaRPr lang="en-GB"/>
+          </a:p>
+        </p:txBody>
+      </p:sp>
     </p:spTree>
     <p:extLst>
       <p:ext uri="{BB962C8B-B14F-4D97-AF65-F5344CB8AC3E}">
@@ -4683,7 +6327,7 @@
 </p:sld>
 </file>
 
-<file path=ppt/slides/slide13.xml><?xml version="1.0" encoding="utf-8"?>
+<file path=ppt/slides/slide15.xml><?xml version="1.0" encoding="utf-8"?>
 <p:sld xmlns:a="http://schemas.openxmlformats.org/drawingml/2006/main" xmlns:r="http://schemas.openxmlformats.org/officeDocument/2006/relationships" xmlns:p="http://schemas.openxmlformats.org/presentationml/2006/main">
   <p:cSld>
     <p:bg>
@@ -5110,6 +6754,63 @@
           </a:prstGeom>
         </p:spPr>
       </p:pic>
+      <p:sp>
+        <p:nvSpPr>
+          <p:cNvPr id="5" name="Date Placeholder 4">
+            <a:extLst>
+              <a:ext uri="{FF2B5EF4-FFF2-40B4-BE49-F238E27FC236}">
+                <a16:creationId xmlns:a16="http://schemas.microsoft.com/office/drawing/2014/main" id="{55F15ECA-0188-D4B8-42EA-FA7D96FA742D}"/>
+              </a:ext>
+            </a:extLst>
+          </p:cNvPr>
+          <p:cNvSpPr>
+            <a:spLocks noGrp="1"/>
+          </p:cNvSpPr>
+          <p:nvPr>
+            <p:ph type="dt" sz="half" idx="10"/>
+          </p:nvPr>
+        </p:nvSpPr>
+        <p:spPr/>
+        <p:txBody>
+          <a:bodyPr/>
+          <a:lstStyle/>
+          <a:p>
+            <a:r>
+              <a:rPr lang="en-GB"/>
+              <a:t>02/12/2025</a:t>
+            </a:r>
+          </a:p>
+        </p:txBody>
+      </p:sp>
+      <p:sp>
+        <p:nvSpPr>
+          <p:cNvPr id="6" name="Slide Number Placeholder 5">
+            <a:extLst>
+              <a:ext uri="{FF2B5EF4-FFF2-40B4-BE49-F238E27FC236}">
+                <a16:creationId xmlns:a16="http://schemas.microsoft.com/office/drawing/2014/main" id="{4782090A-F48B-F6DE-46B8-DEFFA92EB52D}"/>
+              </a:ext>
+            </a:extLst>
+          </p:cNvPr>
+          <p:cNvSpPr>
+            <a:spLocks noGrp="1"/>
+          </p:cNvSpPr>
+          <p:nvPr>
+            <p:ph type="sldNum" sz="quarter" idx="12"/>
+          </p:nvPr>
+        </p:nvSpPr>
+        <p:spPr/>
+        <p:txBody>
+          <a:bodyPr/>
+          <a:lstStyle/>
+          <a:p>
+            <a:fld id="{09FCE3CD-8E5B-4FEB-BC1E-3D61BE3CC713}" type="slidenum">
+              <a:rPr lang="en-GB" smtClean="0"/>
+              <a:t>15</a:t>
+            </a:fld>
+            <a:endParaRPr lang="en-GB"/>
+          </a:p>
+        </p:txBody>
+      </p:sp>
     </p:spTree>
     <p:extLst>
       <p:ext uri="{BB962C8B-B14F-4D97-AF65-F5344CB8AC3E}">
@@ -5123,7 +6824,7 @@
 </p:sld>
 </file>
 
-<file path=ppt/slides/slide14.xml><?xml version="1.0" encoding="utf-8"?>
+<file path=ppt/slides/slide16.xml><?xml version="1.0" encoding="utf-8"?>
 <p:sld xmlns:a="http://schemas.openxmlformats.org/drawingml/2006/main" xmlns:r="http://schemas.openxmlformats.org/officeDocument/2006/relationships" xmlns:p="http://schemas.openxmlformats.org/presentationml/2006/main">
   <p:cSld>
     <p:bg>
@@ -5207,6 +6908,63 @@
           </a:p>
         </p:txBody>
       </p:sp>
+      <p:sp>
+        <p:nvSpPr>
+          <p:cNvPr id="3" name="Date Placeholder 2">
+            <a:extLst>
+              <a:ext uri="{FF2B5EF4-FFF2-40B4-BE49-F238E27FC236}">
+                <a16:creationId xmlns:a16="http://schemas.microsoft.com/office/drawing/2014/main" id="{E674D2E5-50C5-5B63-531F-FED61FF75B40}"/>
+              </a:ext>
+            </a:extLst>
+          </p:cNvPr>
+          <p:cNvSpPr>
+            <a:spLocks noGrp="1"/>
+          </p:cNvSpPr>
+          <p:nvPr>
+            <p:ph type="dt" sz="half" idx="10"/>
+          </p:nvPr>
+        </p:nvSpPr>
+        <p:spPr/>
+        <p:txBody>
+          <a:bodyPr/>
+          <a:lstStyle/>
+          <a:p>
+            <a:r>
+              <a:rPr lang="en-GB"/>
+              <a:t>02/12/2025</a:t>
+            </a:r>
+          </a:p>
+        </p:txBody>
+      </p:sp>
+      <p:sp>
+        <p:nvSpPr>
+          <p:cNvPr id="4" name="Slide Number Placeholder 3">
+            <a:extLst>
+              <a:ext uri="{FF2B5EF4-FFF2-40B4-BE49-F238E27FC236}">
+                <a16:creationId xmlns:a16="http://schemas.microsoft.com/office/drawing/2014/main" id="{83E4F891-D427-E505-95D5-DEA685C75EB0}"/>
+              </a:ext>
+            </a:extLst>
+          </p:cNvPr>
+          <p:cNvSpPr>
+            <a:spLocks noGrp="1"/>
+          </p:cNvSpPr>
+          <p:nvPr>
+            <p:ph type="sldNum" sz="quarter" idx="12"/>
+          </p:nvPr>
+        </p:nvSpPr>
+        <p:spPr/>
+        <p:txBody>
+          <a:bodyPr/>
+          <a:lstStyle/>
+          <a:p>
+            <a:fld id="{09FCE3CD-8E5B-4FEB-BC1E-3D61BE3CC713}" type="slidenum">
+              <a:rPr lang="en-GB" smtClean="0"/>
+              <a:t>16</a:t>
+            </a:fld>
+            <a:endParaRPr lang="en-GB"/>
+          </a:p>
+        </p:txBody>
+      </p:sp>
     </p:spTree>
     <p:extLst>
       <p:ext uri="{BB962C8B-B14F-4D97-AF65-F5344CB8AC3E}">
@@ -5220,7 +6978,7 @@
 </p:sld>
 </file>
 
-<file path=ppt/slides/slide15.xml><?xml version="1.0" encoding="utf-8"?>
+<file path=ppt/slides/slide17.xml><?xml version="1.0" encoding="utf-8"?>
 <p:sld xmlns:a="http://schemas.openxmlformats.org/drawingml/2006/main" xmlns:r="http://schemas.openxmlformats.org/officeDocument/2006/relationships" xmlns:p="http://schemas.openxmlformats.org/presentationml/2006/main">
   <p:cSld>
     <p:bg>
@@ -5590,6 +7348,63 @@
           </a:prstGeom>
         </p:spPr>
       </p:pic>
+      <p:sp>
+        <p:nvSpPr>
+          <p:cNvPr id="5" name="Date Placeholder 4">
+            <a:extLst>
+              <a:ext uri="{FF2B5EF4-FFF2-40B4-BE49-F238E27FC236}">
+                <a16:creationId xmlns:a16="http://schemas.microsoft.com/office/drawing/2014/main" id="{5AEF1D22-AA60-0CDE-F16F-0F1D3722038A}"/>
+              </a:ext>
+            </a:extLst>
+          </p:cNvPr>
+          <p:cNvSpPr>
+            <a:spLocks noGrp="1"/>
+          </p:cNvSpPr>
+          <p:nvPr>
+            <p:ph type="dt" sz="half" idx="10"/>
+          </p:nvPr>
+        </p:nvSpPr>
+        <p:spPr/>
+        <p:txBody>
+          <a:bodyPr/>
+          <a:lstStyle/>
+          <a:p>
+            <a:r>
+              <a:rPr lang="en-GB"/>
+              <a:t>02/12/2025</a:t>
+            </a:r>
+          </a:p>
+        </p:txBody>
+      </p:sp>
+      <p:sp>
+        <p:nvSpPr>
+          <p:cNvPr id="6" name="Slide Number Placeholder 5">
+            <a:extLst>
+              <a:ext uri="{FF2B5EF4-FFF2-40B4-BE49-F238E27FC236}">
+                <a16:creationId xmlns:a16="http://schemas.microsoft.com/office/drawing/2014/main" id="{5B9C4459-D7F6-E257-CA81-50A995797207}"/>
+              </a:ext>
+            </a:extLst>
+          </p:cNvPr>
+          <p:cNvSpPr>
+            <a:spLocks noGrp="1"/>
+          </p:cNvSpPr>
+          <p:nvPr>
+            <p:ph type="sldNum" sz="quarter" idx="12"/>
+          </p:nvPr>
+        </p:nvSpPr>
+        <p:spPr/>
+        <p:txBody>
+          <a:bodyPr/>
+          <a:lstStyle/>
+          <a:p>
+            <a:fld id="{09FCE3CD-8E5B-4FEB-BC1E-3D61BE3CC713}" type="slidenum">
+              <a:rPr lang="en-GB" smtClean="0"/>
+              <a:t>17</a:t>
+            </a:fld>
+            <a:endParaRPr lang="en-GB"/>
+          </a:p>
+        </p:txBody>
+      </p:sp>
     </p:spTree>
     <p:extLst>
       <p:ext uri="{BB962C8B-B14F-4D97-AF65-F5344CB8AC3E}">
@@ -5603,7 +7418,7 @@
 </p:sld>
 </file>
 
-<file path=ppt/slides/slide16.xml><?xml version="1.0" encoding="utf-8"?>
+<file path=ppt/slides/slide18.xml><?xml version="1.0" encoding="utf-8"?>
 <p:sld xmlns:a="http://schemas.openxmlformats.org/drawingml/2006/main" xmlns:r="http://schemas.openxmlformats.org/officeDocument/2006/relationships" xmlns:p="http://schemas.openxmlformats.org/presentationml/2006/main">
   <p:cSld>
     <p:bg>
@@ -5687,6 +7502,63 @@
           </a:p>
         </p:txBody>
       </p:sp>
+      <p:sp>
+        <p:nvSpPr>
+          <p:cNvPr id="3" name="Date Placeholder 2">
+            <a:extLst>
+              <a:ext uri="{FF2B5EF4-FFF2-40B4-BE49-F238E27FC236}">
+                <a16:creationId xmlns:a16="http://schemas.microsoft.com/office/drawing/2014/main" id="{8136396A-060B-CBA3-D093-779F4793637B}"/>
+              </a:ext>
+            </a:extLst>
+          </p:cNvPr>
+          <p:cNvSpPr>
+            <a:spLocks noGrp="1"/>
+          </p:cNvSpPr>
+          <p:nvPr>
+            <p:ph type="dt" sz="half" idx="10"/>
+          </p:nvPr>
+        </p:nvSpPr>
+        <p:spPr/>
+        <p:txBody>
+          <a:bodyPr/>
+          <a:lstStyle/>
+          <a:p>
+            <a:r>
+              <a:rPr lang="en-GB"/>
+              <a:t>02/12/2025</a:t>
+            </a:r>
+          </a:p>
+        </p:txBody>
+      </p:sp>
+      <p:sp>
+        <p:nvSpPr>
+          <p:cNvPr id="4" name="Slide Number Placeholder 3">
+            <a:extLst>
+              <a:ext uri="{FF2B5EF4-FFF2-40B4-BE49-F238E27FC236}">
+                <a16:creationId xmlns:a16="http://schemas.microsoft.com/office/drawing/2014/main" id="{F681A61F-6B3D-98B2-1194-AAC506209059}"/>
+              </a:ext>
+            </a:extLst>
+          </p:cNvPr>
+          <p:cNvSpPr>
+            <a:spLocks noGrp="1"/>
+          </p:cNvSpPr>
+          <p:nvPr>
+            <p:ph type="sldNum" sz="quarter" idx="12"/>
+          </p:nvPr>
+        </p:nvSpPr>
+        <p:spPr/>
+        <p:txBody>
+          <a:bodyPr/>
+          <a:lstStyle/>
+          <a:p>
+            <a:fld id="{09FCE3CD-8E5B-4FEB-BC1E-3D61BE3CC713}" type="slidenum">
+              <a:rPr lang="en-GB" smtClean="0"/>
+              <a:t>18</a:t>
+            </a:fld>
+            <a:endParaRPr lang="en-GB"/>
+          </a:p>
+        </p:txBody>
+      </p:sp>
     </p:spTree>
     <p:extLst>
       <p:ext uri="{BB962C8B-B14F-4D97-AF65-F5344CB8AC3E}">
@@ -5700,7 +7572,7 @@
 </p:sld>
 </file>
 
-<file path=ppt/slides/slide17.xml><?xml version="1.0" encoding="utf-8"?>
+<file path=ppt/slides/slide19.xml><?xml version="1.0" encoding="utf-8"?>
 <p:sld xmlns:a="http://schemas.openxmlformats.org/drawingml/2006/main" xmlns:r="http://schemas.openxmlformats.org/officeDocument/2006/relationships" xmlns:p="http://schemas.openxmlformats.org/presentationml/2006/main">
   <p:cSld>
     <p:bg>
@@ -6081,427 +7953,67 @@
           </a:prstGeom>
         </p:spPr>
       </p:pic>
+      <p:sp>
+        <p:nvSpPr>
+          <p:cNvPr id="5" name="Date Placeholder 4">
+            <a:extLst>
+              <a:ext uri="{FF2B5EF4-FFF2-40B4-BE49-F238E27FC236}">
+                <a16:creationId xmlns:a16="http://schemas.microsoft.com/office/drawing/2014/main" id="{AFF9D729-CFC4-9D53-15DA-22AA9931046A}"/>
+              </a:ext>
+            </a:extLst>
+          </p:cNvPr>
+          <p:cNvSpPr>
+            <a:spLocks noGrp="1"/>
+          </p:cNvSpPr>
+          <p:nvPr>
+            <p:ph type="dt" sz="half" idx="10"/>
+          </p:nvPr>
+        </p:nvSpPr>
+        <p:spPr/>
+        <p:txBody>
+          <a:bodyPr/>
+          <a:lstStyle/>
+          <a:p>
+            <a:r>
+              <a:rPr lang="en-GB"/>
+              <a:t>02/12/2025</a:t>
+            </a:r>
+          </a:p>
+        </p:txBody>
+      </p:sp>
+      <p:sp>
+        <p:nvSpPr>
+          <p:cNvPr id="6" name="Slide Number Placeholder 5">
+            <a:extLst>
+              <a:ext uri="{FF2B5EF4-FFF2-40B4-BE49-F238E27FC236}">
+                <a16:creationId xmlns:a16="http://schemas.microsoft.com/office/drawing/2014/main" id="{45E2CE88-26B4-687B-16FC-1CF4219A5624}"/>
+              </a:ext>
+            </a:extLst>
+          </p:cNvPr>
+          <p:cNvSpPr>
+            <a:spLocks noGrp="1"/>
+          </p:cNvSpPr>
+          <p:nvPr>
+            <p:ph type="sldNum" sz="quarter" idx="12"/>
+          </p:nvPr>
+        </p:nvSpPr>
+        <p:spPr/>
+        <p:txBody>
+          <a:bodyPr/>
+          <a:lstStyle/>
+          <a:p>
+            <a:fld id="{09FCE3CD-8E5B-4FEB-BC1E-3D61BE3CC713}" type="slidenum">
+              <a:rPr lang="en-GB" smtClean="0"/>
+              <a:t>19</a:t>
+            </a:fld>
+            <a:endParaRPr lang="en-GB"/>
+          </a:p>
+        </p:txBody>
+      </p:sp>
     </p:spTree>
     <p:extLst>
       <p:ext uri="{BB962C8B-B14F-4D97-AF65-F5344CB8AC3E}">
         <p14:creationId xmlns:p14="http://schemas.microsoft.com/office/powerpoint/2010/main" val="2846623819"/>
-      </p:ext>
-    </p:extLst>
-  </p:cSld>
-  <p:clrMapOvr>
-    <a:masterClrMapping/>
-  </p:clrMapOvr>
-</p:sld>
-</file>
-
-<file path=ppt/slides/slide18.xml><?xml version="1.0" encoding="utf-8"?>
-<p:sld xmlns:a="http://schemas.openxmlformats.org/drawingml/2006/main" xmlns:r="http://schemas.openxmlformats.org/officeDocument/2006/relationships" xmlns:p="http://schemas.openxmlformats.org/presentationml/2006/main">
-  <p:cSld>
-    <p:bg>
-      <p:bgPr>
-        <a:solidFill>
-          <a:schemeClr val="tx2"/>
-        </a:solidFill>
-        <a:effectLst/>
-      </p:bgPr>
-    </p:bg>
-    <p:spTree>
-      <p:nvGrpSpPr>
-        <p:cNvPr id="1" name="">
-          <a:extLst>
-            <a:ext uri="{FF2B5EF4-FFF2-40B4-BE49-F238E27FC236}">
-              <a16:creationId xmlns:a16="http://schemas.microsoft.com/office/drawing/2014/main" id="{4CC7D19D-B2CF-F8AE-0F28-E3AB3A5EA963}"/>
-            </a:ext>
-          </a:extLst>
-        </p:cNvPr>
-        <p:cNvGrpSpPr/>
-        <p:nvPr/>
-      </p:nvGrpSpPr>
-      <p:grpSpPr>
-        <a:xfrm>
-          <a:off x="0" y="0"/>
-          <a:ext cx="0" cy="0"/>
-          <a:chOff x="0" y="0"/>
-          <a:chExt cx="0" cy="0"/>
-        </a:xfrm>
-      </p:grpSpPr>
-      <p:sp>
-        <p:nvSpPr>
-          <p:cNvPr id="2" name="Title 1">
-            <a:extLst>
-              <a:ext uri="{FF2B5EF4-FFF2-40B4-BE49-F238E27FC236}">
-                <a16:creationId xmlns:a16="http://schemas.microsoft.com/office/drawing/2014/main" id="{5DE88FD4-0073-8E3B-4079-DD2304EB411B}"/>
-              </a:ext>
-            </a:extLst>
-          </p:cNvPr>
-          <p:cNvSpPr>
-            <a:spLocks noGrp="1"/>
-          </p:cNvSpPr>
-          <p:nvPr>
-            <p:ph type="title"/>
-          </p:nvPr>
-        </p:nvSpPr>
-        <p:spPr>
-          <a:xfrm>
-            <a:off x="0" y="2934155"/>
-            <a:ext cx="12192000" cy="1325563"/>
-          </a:xfrm>
-        </p:spPr>
-        <p:txBody>
-          <a:bodyPr/>
-          <a:lstStyle/>
-          <a:p>
-            <a:pPr algn="ctr"/>
-            <a:r>
-              <a:rPr lang="en-GB" dirty="0">
-                <a:solidFill>
-                  <a:schemeClr val="accent1"/>
-                </a:solidFill>
-              </a:rPr>
-              <a:t>Robot Car-1</a:t>
-            </a:r>
-            <a:br>
-              <a:rPr lang="en-GB" dirty="0">
-                <a:solidFill>
-                  <a:schemeClr val="accent1"/>
-                </a:solidFill>
-              </a:rPr>
-            </a:br>
-            <a:r>
-              <a:rPr lang="en-GB" dirty="0">
-                <a:solidFill>
-                  <a:schemeClr val="accent1"/>
-                </a:solidFill>
-              </a:rPr>
-              <a:t>(Day-2: 9.30 AM to 12 PM)</a:t>
-            </a:r>
-          </a:p>
-        </p:txBody>
-      </p:sp>
-    </p:spTree>
-    <p:extLst>
-      <p:ext uri="{BB962C8B-B14F-4D97-AF65-F5344CB8AC3E}">
-        <p14:creationId xmlns:p14="http://schemas.microsoft.com/office/powerpoint/2010/main" val="2181619118"/>
-      </p:ext>
-    </p:extLst>
-  </p:cSld>
-  <p:clrMapOvr>
-    <a:masterClrMapping/>
-  </p:clrMapOvr>
-</p:sld>
-</file>
-
-<file path=ppt/slides/slide19.xml><?xml version="1.0" encoding="utf-8"?>
-<p:sld xmlns:a="http://schemas.openxmlformats.org/drawingml/2006/main" xmlns:r="http://schemas.openxmlformats.org/officeDocument/2006/relationships" xmlns:p="http://schemas.openxmlformats.org/presentationml/2006/main">
-  <p:cSld>
-    <p:bg>
-      <p:bgPr>
-        <a:solidFill>
-          <a:schemeClr val="tx2"/>
-        </a:solidFill>
-        <a:effectLst/>
-      </p:bgPr>
-    </p:bg>
-    <p:spTree>
-      <p:nvGrpSpPr>
-        <p:cNvPr id="1" name="">
-          <a:extLst>
-            <a:ext uri="{FF2B5EF4-FFF2-40B4-BE49-F238E27FC236}">
-              <a16:creationId xmlns:a16="http://schemas.microsoft.com/office/drawing/2014/main" id="{046A7405-F2C3-19D4-191D-778D09D7C4DB}"/>
-            </a:ext>
-          </a:extLst>
-        </p:cNvPr>
-        <p:cNvGrpSpPr/>
-        <p:nvPr/>
-      </p:nvGrpSpPr>
-      <p:grpSpPr>
-        <a:xfrm>
-          <a:off x="0" y="0"/>
-          <a:ext cx="0" cy="0"/>
-          <a:chOff x="0" y="0"/>
-          <a:chExt cx="0" cy="0"/>
-        </a:xfrm>
-      </p:grpSpPr>
-      <p:sp>
-        <p:nvSpPr>
-          <p:cNvPr id="2" name="Title 1">
-            <a:extLst>
-              <a:ext uri="{FF2B5EF4-FFF2-40B4-BE49-F238E27FC236}">
-                <a16:creationId xmlns:a16="http://schemas.microsoft.com/office/drawing/2014/main" id="{B87C001C-8D46-D10A-2DC5-E898A62615D4}"/>
-              </a:ext>
-            </a:extLst>
-          </p:cNvPr>
-          <p:cNvSpPr>
-            <a:spLocks noGrp="1"/>
-          </p:cNvSpPr>
-          <p:nvPr>
-            <p:ph type="title"/>
-          </p:nvPr>
-        </p:nvSpPr>
-        <p:spPr>
-          <a:xfrm>
-            <a:off x="10884" y="-4988"/>
-            <a:ext cx="10515600" cy="1325563"/>
-          </a:xfrm>
-        </p:spPr>
-        <p:txBody>
-          <a:bodyPr/>
-          <a:lstStyle/>
-          <a:p>
-            <a:r>
-              <a:rPr lang="en-GB" dirty="0">
-                <a:solidFill>
-                  <a:schemeClr val="bg1"/>
-                </a:solidFill>
-              </a:rPr>
-              <a:t>Navigational Robot Car-1</a:t>
-            </a:r>
-          </a:p>
-        </p:txBody>
-      </p:sp>
-      <p:sp>
-        <p:nvSpPr>
-          <p:cNvPr id="3" name="TextBox 2">
-            <a:extLst>
-              <a:ext uri="{FF2B5EF4-FFF2-40B4-BE49-F238E27FC236}">
-                <a16:creationId xmlns:a16="http://schemas.microsoft.com/office/drawing/2014/main" id="{EC79669D-D00B-A06F-DD64-BAA628E3D946}"/>
-              </a:ext>
-            </a:extLst>
-          </p:cNvPr>
-          <p:cNvSpPr txBox="1"/>
-          <p:nvPr/>
-        </p:nvSpPr>
-        <p:spPr>
-          <a:xfrm>
-            <a:off x="142875" y="1000535"/>
-            <a:ext cx="11906250" cy="4893647"/>
-          </a:xfrm>
-          <a:prstGeom prst="rect">
-            <a:avLst/>
-          </a:prstGeom>
-          <a:noFill/>
-        </p:spPr>
-        <p:txBody>
-          <a:bodyPr wrap="square" rtlCol="0">
-            <a:spAutoFit/>
-          </a:bodyPr>
-          <a:lstStyle/>
-          <a:p>
-            <a:pPr marL="342900" indent="-342900">
-              <a:buFont typeface="Arial" panose="020B0604020202020204" pitchFamily="34" charset="0"/>
-              <a:buChar char="•"/>
-            </a:pPr>
-            <a:r>
-              <a:rPr lang="en-GB" sz="2400" b="1" dirty="0">
-                <a:solidFill>
-                  <a:schemeClr val="accent4"/>
-                </a:solidFill>
-              </a:rPr>
-              <a:t>Review the Contents in the Box</a:t>
-            </a:r>
-          </a:p>
-          <a:p>
-            <a:pPr marL="342900" indent="-342900">
-              <a:buFont typeface="Arial" panose="020B0604020202020204" pitchFamily="34" charset="0"/>
-              <a:buChar char="•"/>
-            </a:pPr>
-            <a:endParaRPr lang="en-GB" sz="2400" dirty="0">
-              <a:solidFill>
-                <a:schemeClr val="accent5"/>
-              </a:solidFill>
-            </a:endParaRPr>
-          </a:p>
-          <a:p>
-            <a:pPr marL="342900" indent="-342900">
-              <a:buFont typeface="Arial" panose="020B0604020202020204" pitchFamily="34" charset="0"/>
-              <a:buChar char="•"/>
-            </a:pPr>
-            <a:r>
-              <a:rPr lang="en-GB" sz="2400" dirty="0">
-                <a:solidFill>
-                  <a:schemeClr val="accent5"/>
-                </a:solidFill>
-              </a:rPr>
-              <a:t>Review &amp; Discuss the Motor Controller Board, Assembly, Power Supply etc.</a:t>
-            </a:r>
-          </a:p>
-          <a:p>
-            <a:pPr marL="342900" indent="-342900">
-              <a:buFont typeface="Arial" panose="020B0604020202020204" pitchFamily="34" charset="0"/>
-              <a:buChar char="•"/>
-            </a:pPr>
-            <a:endParaRPr lang="en-GB" sz="2400" dirty="0">
-              <a:solidFill>
-                <a:schemeClr val="accent5"/>
-              </a:solidFill>
-            </a:endParaRPr>
-          </a:p>
-          <a:p>
-            <a:pPr marL="342900" indent="-342900">
-              <a:buFont typeface="Arial" panose="020B0604020202020204" pitchFamily="34" charset="0"/>
-              <a:buChar char="•"/>
-            </a:pPr>
-            <a:r>
-              <a:rPr lang="en-GB" sz="2400" dirty="0">
-                <a:solidFill>
-                  <a:schemeClr val="accent5"/>
-                </a:solidFill>
-              </a:rPr>
-              <a:t>Discuss the Health &amp; Safety Precautions</a:t>
-            </a:r>
-          </a:p>
-          <a:p>
-            <a:pPr marL="342900" indent="-342900">
-              <a:buFont typeface="Arial" panose="020B0604020202020204" pitchFamily="34" charset="0"/>
-              <a:buChar char="•"/>
-            </a:pPr>
-            <a:endParaRPr lang="en-GB" sz="2400" dirty="0">
-              <a:solidFill>
-                <a:schemeClr val="bg1"/>
-              </a:solidFill>
-            </a:endParaRPr>
-          </a:p>
-          <a:p>
-            <a:pPr marL="342900" indent="-342900">
-              <a:buFont typeface="Arial" panose="020B0604020202020204" pitchFamily="34" charset="0"/>
-              <a:buChar char="•"/>
-            </a:pPr>
-            <a:r>
-              <a:rPr lang="en-GB" sz="2400" dirty="0">
-                <a:solidFill>
-                  <a:schemeClr val="bg1"/>
-                </a:solidFill>
-              </a:rPr>
-              <a:t>Practice the Following Lab</a:t>
-            </a:r>
-            <a:endParaRPr lang="en-GB" sz="2400" dirty="0">
-              <a:solidFill>
-                <a:schemeClr val="accent5"/>
-              </a:solidFill>
-            </a:endParaRPr>
-          </a:p>
-          <a:p>
-            <a:pPr marL="800100" lvl="1" indent="-342900">
-              <a:buFont typeface="Arial" panose="020B0604020202020204" pitchFamily="34" charset="0"/>
-              <a:buChar char="•"/>
-            </a:pPr>
-            <a:r>
-              <a:rPr lang="en-GB" sz="2400" dirty="0">
-                <a:solidFill>
-                  <a:schemeClr val="accent5"/>
-                </a:solidFill>
-              </a:rPr>
-              <a:t>Car Basic Movements; how to correct directions (by swapping the pins)</a:t>
-            </a:r>
-          </a:p>
-          <a:p>
-            <a:pPr marL="342900" indent="-342900">
-              <a:buFont typeface="Arial" panose="020B0604020202020204" pitchFamily="34" charset="0"/>
-              <a:buChar char="•"/>
-            </a:pPr>
-            <a:endParaRPr lang="en-GB" sz="2400" dirty="0">
-              <a:solidFill>
-                <a:schemeClr val="bg1"/>
-              </a:solidFill>
-            </a:endParaRPr>
-          </a:p>
-          <a:p>
-            <a:pPr marL="342900" indent="-342900">
-              <a:buFont typeface="Arial" panose="020B0604020202020204" pitchFamily="34" charset="0"/>
-              <a:buChar char="•"/>
-            </a:pPr>
-            <a:r>
-              <a:rPr lang="en-GB" sz="2400" dirty="0">
-                <a:solidFill>
-                  <a:schemeClr val="bg1"/>
-                </a:solidFill>
-              </a:rPr>
-              <a:t>Practice the IR Sensor Calibration</a:t>
-            </a:r>
-            <a:endParaRPr lang="en-GB" sz="2400" dirty="0">
-              <a:solidFill>
-                <a:schemeClr val="accent5"/>
-              </a:solidFill>
-            </a:endParaRPr>
-          </a:p>
-          <a:p>
-            <a:pPr marL="800100" lvl="1" indent="-342900">
-              <a:buFont typeface="Arial" panose="020B0604020202020204" pitchFamily="34" charset="0"/>
-              <a:buChar char="•"/>
-            </a:pPr>
-            <a:endParaRPr lang="en-GB" sz="2400" dirty="0">
-              <a:solidFill>
-                <a:schemeClr val="accent5"/>
-              </a:solidFill>
-            </a:endParaRPr>
-          </a:p>
-          <a:p>
-            <a:pPr marL="342900" indent="-342900">
-              <a:buFont typeface="Arial" panose="020B0604020202020204" pitchFamily="34" charset="0"/>
-              <a:buChar char="•"/>
-            </a:pPr>
-            <a:r>
-              <a:rPr lang="en-GB" sz="2400" dirty="0">
-                <a:solidFill>
-                  <a:schemeClr val="bg1"/>
-                </a:solidFill>
-              </a:rPr>
-              <a:t>Practice the Edge or IR Obstacle Mode</a:t>
-            </a:r>
-          </a:p>
-          <a:p>
-            <a:pPr marL="342900" indent="-342900">
-              <a:buFont typeface="Arial" panose="020B0604020202020204" pitchFamily="34" charset="0"/>
-              <a:buChar char="•"/>
-            </a:pPr>
-            <a:endParaRPr lang="en-GB" sz="2400" dirty="0">
-              <a:solidFill>
-                <a:schemeClr val="bg1"/>
-              </a:solidFill>
-            </a:endParaRPr>
-          </a:p>
-        </p:txBody>
-      </p:sp>
-      <p:pic>
-        <p:nvPicPr>
-          <p:cNvPr id="4" name="Picture 3">
-            <a:extLst>
-              <a:ext uri="{FF2B5EF4-FFF2-40B4-BE49-F238E27FC236}">
-                <a16:creationId xmlns:a16="http://schemas.microsoft.com/office/drawing/2014/main" id="{F1C72A67-20EF-4D59-9457-012B0891DEA0}"/>
-              </a:ext>
-            </a:extLst>
-          </p:cNvPr>
-          <p:cNvPicPr>
-            <a:picLocks noChangeAspect="1"/>
-          </p:cNvPicPr>
-          <p:nvPr/>
-        </p:nvPicPr>
-        <p:blipFill>
-          <a:blip r:embed="rId2">
-            <a:extLst>
-              <a:ext uri="{28A0092B-C50C-407E-A947-70E740481C1C}">
-                <a14:useLocalDpi xmlns:a14="http://schemas.microsoft.com/office/drawing/2010/main" val="0"/>
-              </a:ext>
-            </a:extLst>
-          </a:blip>
-          <a:stretch>
-            <a:fillRect/>
-          </a:stretch>
-        </p:blipFill>
-        <p:spPr>
-          <a:xfrm>
-            <a:off x="10080966" y="0"/>
-            <a:ext cx="2100150" cy="566056"/>
-          </a:xfrm>
-          <a:prstGeom prst="rect">
-            <a:avLst/>
-          </a:prstGeom>
-        </p:spPr>
-      </p:pic>
-    </p:spTree>
-    <p:extLst>
-      <p:ext uri="{BB962C8B-B14F-4D97-AF65-F5344CB8AC3E}">
-        <p14:creationId xmlns:p14="http://schemas.microsoft.com/office/powerpoint/2010/main" val="564927957"/>
       </p:ext>
     </p:extLst>
   </p:cSld>
@@ -8608,6 +10120,63 @@
           </a:prstGeom>
         </p:spPr>
       </p:pic>
+      <p:sp>
+        <p:nvSpPr>
+          <p:cNvPr id="4" name="Date Placeholder 3">
+            <a:extLst>
+              <a:ext uri="{FF2B5EF4-FFF2-40B4-BE49-F238E27FC236}">
+                <a16:creationId xmlns:a16="http://schemas.microsoft.com/office/drawing/2014/main" id="{1365FC61-E0CD-AC63-070D-8D68D8CFE784}"/>
+              </a:ext>
+            </a:extLst>
+          </p:cNvPr>
+          <p:cNvSpPr>
+            <a:spLocks noGrp="1"/>
+          </p:cNvSpPr>
+          <p:nvPr>
+            <p:ph type="dt" sz="half" idx="10"/>
+          </p:nvPr>
+        </p:nvSpPr>
+        <p:spPr/>
+        <p:txBody>
+          <a:bodyPr/>
+          <a:lstStyle/>
+          <a:p>
+            <a:r>
+              <a:rPr lang="en-GB"/>
+              <a:t>02/12/2025</a:t>
+            </a:r>
+          </a:p>
+        </p:txBody>
+      </p:sp>
+      <p:sp>
+        <p:nvSpPr>
+          <p:cNvPr id="5" name="Slide Number Placeholder 4">
+            <a:extLst>
+              <a:ext uri="{FF2B5EF4-FFF2-40B4-BE49-F238E27FC236}">
+                <a16:creationId xmlns:a16="http://schemas.microsoft.com/office/drawing/2014/main" id="{C96F3989-4D9D-555F-3A54-5E6EDE615820}"/>
+              </a:ext>
+            </a:extLst>
+          </p:cNvPr>
+          <p:cNvSpPr>
+            <a:spLocks noGrp="1"/>
+          </p:cNvSpPr>
+          <p:nvPr>
+            <p:ph type="sldNum" sz="quarter" idx="12"/>
+          </p:nvPr>
+        </p:nvSpPr>
+        <p:spPr/>
+        <p:txBody>
+          <a:bodyPr/>
+          <a:lstStyle/>
+          <a:p>
+            <a:fld id="{09FCE3CD-8E5B-4FEB-BC1E-3D61BE3CC713}" type="slidenum">
+              <a:rPr lang="en-GB" smtClean="0"/>
+              <a:t>2</a:t>
+            </a:fld>
+            <a:endParaRPr lang="en-GB"/>
+          </a:p>
+        </p:txBody>
+      </p:sp>
     </p:spTree>
     <p:extLst>
       <p:ext uri="{BB962C8B-B14F-4D97-AF65-F5344CB8AC3E}">
@@ -8622,6 +10191,537 @@
 </file>
 
 <file path=ppt/slides/slide20.xml><?xml version="1.0" encoding="utf-8"?>
+<p:sld xmlns:a="http://schemas.openxmlformats.org/drawingml/2006/main" xmlns:r="http://schemas.openxmlformats.org/officeDocument/2006/relationships" xmlns:p="http://schemas.openxmlformats.org/presentationml/2006/main">
+  <p:cSld>
+    <p:bg>
+      <p:bgPr>
+        <a:solidFill>
+          <a:schemeClr val="tx2"/>
+        </a:solidFill>
+        <a:effectLst/>
+      </p:bgPr>
+    </p:bg>
+    <p:spTree>
+      <p:nvGrpSpPr>
+        <p:cNvPr id="1" name="">
+          <a:extLst>
+            <a:ext uri="{FF2B5EF4-FFF2-40B4-BE49-F238E27FC236}">
+              <a16:creationId xmlns:a16="http://schemas.microsoft.com/office/drawing/2014/main" id="{4CC7D19D-B2CF-F8AE-0F28-E3AB3A5EA963}"/>
+            </a:ext>
+          </a:extLst>
+        </p:cNvPr>
+        <p:cNvGrpSpPr/>
+        <p:nvPr/>
+      </p:nvGrpSpPr>
+      <p:grpSpPr>
+        <a:xfrm>
+          <a:off x="0" y="0"/>
+          <a:ext cx="0" cy="0"/>
+          <a:chOff x="0" y="0"/>
+          <a:chExt cx="0" cy="0"/>
+        </a:xfrm>
+      </p:grpSpPr>
+      <p:sp>
+        <p:nvSpPr>
+          <p:cNvPr id="2" name="Title 1">
+            <a:extLst>
+              <a:ext uri="{FF2B5EF4-FFF2-40B4-BE49-F238E27FC236}">
+                <a16:creationId xmlns:a16="http://schemas.microsoft.com/office/drawing/2014/main" id="{5DE88FD4-0073-8E3B-4079-DD2304EB411B}"/>
+              </a:ext>
+            </a:extLst>
+          </p:cNvPr>
+          <p:cNvSpPr>
+            <a:spLocks noGrp="1"/>
+          </p:cNvSpPr>
+          <p:nvPr>
+            <p:ph type="title"/>
+          </p:nvPr>
+        </p:nvSpPr>
+        <p:spPr>
+          <a:xfrm>
+            <a:off x="0" y="2934155"/>
+            <a:ext cx="12192000" cy="1325563"/>
+          </a:xfrm>
+        </p:spPr>
+        <p:txBody>
+          <a:bodyPr/>
+          <a:lstStyle/>
+          <a:p>
+            <a:pPr algn="ctr"/>
+            <a:r>
+              <a:rPr lang="en-GB" dirty="0">
+                <a:solidFill>
+                  <a:schemeClr val="accent1"/>
+                </a:solidFill>
+              </a:rPr>
+              <a:t>Robot Car-1</a:t>
+            </a:r>
+            <a:br>
+              <a:rPr lang="en-GB" dirty="0">
+                <a:solidFill>
+                  <a:schemeClr val="accent1"/>
+                </a:solidFill>
+              </a:rPr>
+            </a:br>
+            <a:r>
+              <a:rPr lang="en-GB" dirty="0">
+                <a:solidFill>
+                  <a:schemeClr val="accent1"/>
+                </a:solidFill>
+              </a:rPr>
+              <a:t>(Day-2: 9.30 AM to 12 PM)</a:t>
+            </a:r>
+          </a:p>
+        </p:txBody>
+      </p:sp>
+      <p:sp>
+        <p:nvSpPr>
+          <p:cNvPr id="3" name="Date Placeholder 2">
+            <a:extLst>
+              <a:ext uri="{FF2B5EF4-FFF2-40B4-BE49-F238E27FC236}">
+                <a16:creationId xmlns:a16="http://schemas.microsoft.com/office/drawing/2014/main" id="{46CFB962-D8CC-4893-0F3B-DF2F941F9798}"/>
+              </a:ext>
+            </a:extLst>
+          </p:cNvPr>
+          <p:cNvSpPr>
+            <a:spLocks noGrp="1"/>
+          </p:cNvSpPr>
+          <p:nvPr>
+            <p:ph type="dt" sz="half" idx="10"/>
+          </p:nvPr>
+        </p:nvSpPr>
+        <p:spPr/>
+        <p:txBody>
+          <a:bodyPr/>
+          <a:lstStyle/>
+          <a:p>
+            <a:r>
+              <a:rPr lang="en-GB"/>
+              <a:t>02/12/2025</a:t>
+            </a:r>
+          </a:p>
+        </p:txBody>
+      </p:sp>
+      <p:sp>
+        <p:nvSpPr>
+          <p:cNvPr id="4" name="Slide Number Placeholder 3">
+            <a:extLst>
+              <a:ext uri="{FF2B5EF4-FFF2-40B4-BE49-F238E27FC236}">
+                <a16:creationId xmlns:a16="http://schemas.microsoft.com/office/drawing/2014/main" id="{6EB8712C-5311-782E-743F-DC16C70B9A03}"/>
+              </a:ext>
+            </a:extLst>
+          </p:cNvPr>
+          <p:cNvSpPr>
+            <a:spLocks noGrp="1"/>
+          </p:cNvSpPr>
+          <p:nvPr>
+            <p:ph type="sldNum" sz="quarter" idx="12"/>
+          </p:nvPr>
+        </p:nvSpPr>
+        <p:spPr/>
+        <p:txBody>
+          <a:bodyPr/>
+          <a:lstStyle/>
+          <a:p>
+            <a:fld id="{09FCE3CD-8E5B-4FEB-BC1E-3D61BE3CC713}" type="slidenum">
+              <a:rPr lang="en-GB" smtClean="0"/>
+              <a:t>20</a:t>
+            </a:fld>
+            <a:endParaRPr lang="en-GB"/>
+          </a:p>
+        </p:txBody>
+      </p:sp>
+    </p:spTree>
+    <p:extLst>
+      <p:ext uri="{BB962C8B-B14F-4D97-AF65-F5344CB8AC3E}">
+        <p14:creationId xmlns:p14="http://schemas.microsoft.com/office/powerpoint/2010/main" val="2181619118"/>
+      </p:ext>
+    </p:extLst>
+  </p:cSld>
+  <p:clrMapOvr>
+    <a:masterClrMapping/>
+  </p:clrMapOvr>
+</p:sld>
+</file>
+
+<file path=ppt/slides/slide21.xml><?xml version="1.0" encoding="utf-8"?>
+<p:sld xmlns:a="http://schemas.openxmlformats.org/drawingml/2006/main" xmlns:r="http://schemas.openxmlformats.org/officeDocument/2006/relationships" xmlns:p="http://schemas.openxmlformats.org/presentationml/2006/main">
+  <p:cSld>
+    <p:bg>
+      <p:bgPr>
+        <a:solidFill>
+          <a:schemeClr val="tx2"/>
+        </a:solidFill>
+        <a:effectLst/>
+      </p:bgPr>
+    </p:bg>
+    <p:spTree>
+      <p:nvGrpSpPr>
+        <p:cNvPr id="1" name="">
+          <a:extLst>
+            <a:ext uri="{FF2B5EF4-FFF2-40B4-BE49-F238E27FC236}">
+              <a16:creationId xmlns:a16="http://schemas.microsoft.com/office/drawing/2014/main" id="{046A7405-F2C3-19D4-191D-778D09D7C4DB}"/>
+            </a:ext>
+          </a:extLst>
+        </p:cNvPr>
+        <p:cNvGrpSpPr/>
+        <p:nvPr/>
+      </p:nvGrpSpPr>
+      <p:grpSpPr>
+        <a:xfrm>
+          <a:off x="0" y="0"/>
+          <a:ext cx="0" cy="0"/>
+          <a:chOff x="0" y="0"/>
+          <a:chExt cx="0" cy="0"/>
+        </a:xfrm>
+      </p:grpSpPr>
+      <p:sp>
+        <p:nvSpPr>
+          <p:cNvPr id="2" name="Title 1">
+            <a:extLst>
+              <a:ext uri="{FF2B5EF4-FFF2-40B4-BE49-F238E27FC236}">
+                <a16:creationId xmlns:a16="http://schemas.microsoft.com/office/drawing/2014/main" id="{B87C001C-8D46-D10A-2DC5-E898A62615D4}"/>
+              </a:ext>
+            </a:extLst>
+          </p:cNvPr>
+          <p:cNvSpPr>
+            <a:spLocks noGrp="1"/>
+          </p:cNvSpPr>
+          <p:nvPr>
+            <p:ph type="title"/>
+          </p:nvPr>
+        </p:nvSpPr>
+        <p:spPr>
+          <a:xfrm>
+            <a:off x="10884" y="-4988"/>
+            <a:ext cx="10515600" cy="1325563"/>
+          </a:xfrm>
+        </p:spPr>
+        <p:txBody>
+          <a:bodyPr/>
+          <a:lstStyle/>
+          <a:p>
+            <a:r>
+              <a:rPr lang="en-GB" dirty="0">
+                <a:solidFill>
+                  <a:schemeClr val="bg1"/>
+                </a:solidFill>
+              </a:rPr>
+              <a:t>Navigational Robot Car-1</a:t>
+            </a:r>
+          </a:p>
+        </p:txBody>
+      </p:sp>
+      <p:sp>
+        <p:nvSpPr>
+          <p:cNvPr id="3" name="TextBox 2">
+            <a:extLst>
+              <a:ext uri="{FF2B5EF4-FFF2-40B4-BE49-F238E27FC236}">
+                <a16:creationId xmlns:a16="http://schemas.microsoft.com/office/drawing/2014/main" id="{EC79669D-D00B-A06F-DD64-BAA628E3D946}"/>
+              </a:ext>
+            </a:extLst>
+          </p:cNvPr>
+          <p:cNvSpPr txBox="1"/>
+          <p:nvPr/>
+        </p:nvSpPr>
+        <p:spPr>
+          <a:xfrm>
+            <a:off x="142875" y="1000535"/>
+            <a:ext cx="11906250" cy="4893647"/>
+          </a:xfrm>
+          <a:prstGeom prst="rect">
+            <a:avLst/>
+          </a:prstGeom>
+          <a:noFill/>
+        </p:spPr>
+        <p:txBody>
+          <a:bodyPr wrap="square" rtlCol="0">
+            <a:spAutoFit/>
+          </a:bodyPr>
+          <a:lstStyle/>
+          <a:p>
+            <a:pPr marL="342900" indent="-342900">
+              <a:buFont typeface="Arial" panose="020B0604020202020204" pitchFamily="34" charset="0"/>
+              <a:buChar char="•"/>
+            </a:pPr>
+            <a:r>
+              <a:rPr lang="en-GB" sz="2400" b="1" dirty="0">
+                <a:solidFill>
+                  <a:schemeClr val="accent4"/>
+                </a:solidFill>
+              </a:rPr>
+              <a:t>Review the Contents in the Box</a:t>
+            </a:r>
+          </a:p>
+          <a:p>
+            <a:pPr marL="342900" indent="-342900">
+              <a:buFont typeface="Arial" panose="020B0604020202020204" pitchFamily="34" charset="0"/>
+              <a:buChar char="•"/>
+            </a:pPr>
+            <a:endParaRPr lang="en-GB" sz="2400" dirty="0">
+              <a:solidFill>
+                <a:schemeClr val="accent5"/>
+              </a:solidFill>
+            </a:endParaRPr>
+          </a:p>
+          <a:p>
+            <a:pPr marL="342900" indent="-342900">
+              <a:buFont typeface="Arial" panose="020B0604020202020204" pitchFamily="34" charset="0"/>
+              <a:buChar char="•"/>
+            </a:pPr>
+            <a:r>
+              <a:rPr lang="en-GB" sz="2400" dirty="0">
+                <a:solidFill>
+                  <a:schemeClr val="accent5"/>
+                </a:solidFill>
+              </a:rPr>
+              <a:t>Review &amp; Discuss the Motor Controller Board, Assembly, Power Supply etc.</a:t>
+            </a:r>
+          </a:p>
+          <a:p>
+            <a:pPr marL="342900" indent="-342900">
+              <a:buFont typeface="Arial" panose="020B0604020202020204" pitchFamily="34" charset="0"/>
+              <a:buChar char="•"/>
+            </a:pPr>
+            <a:endParaRPr lang="en-GB" sz="2400" dirty="0">
+              <a:solidFill>
+                <a:schemeClr val="accent5"/>
+              </a:solidFill>
+            </a:endParaRPr>
+          </a:p>
+          <a:p>
+            <a:pPr marL="342900" indent="-342900">
+              <a:buFont typeface="Arial" panose="020B0604020202020204" pitchFamily="34" charset="0"/>
+              <a:buChar char="•"/>
+            </a:pPr>
+            <a:r>
+              <a:rPr lang="en-GB" sz="2400" dirty="0">
+                <a:solidFill>
+                  <a:schemeClr val="accent5"/>
+                </a:solidFill>
+              </a:rPr>
+              <a:t>Discuss the Health &amp; Safety Precautions</a:t>
+            </a:r>
+          </a:p>
+          <a:p>
+            <a:pPr marL="342900" indent="-342900">
+              <a:buFont typeface="Arial" panose="020B0604020202020204" pitchFamily="34" charset="0"/>
+              <a:buChar char="•"/>
+            </a:pPr>
+            <a:endParaRPr lang="en-GB" sz="2400" dirty="0">
+              <a:solidFill>
+                <a:schemeClr val="bg1"/>
+              </a:solidFill>
+            </a:endParaRPr>
+          </a:p>
+          <a:p>
+            <a:pPr marL="342900" indent="-342900">
+              <a:buFont typeface="Arial" panose="020B0604020202020204" pitchFamily="34" charset="0"/>
+              <a:buChar char="•"/>
+            </a:pPr>
+            <a:r>
+              <a:rPr lang="en-GB" sz="2400" dirty="0">
+                <a:solidFill>
+                  <a:schemeClr val="bg1"/>
+                </a:solidFill>
+              </a:rPr>
+              <a:t>Practice the Following Lab</a:t>
+            </a:r>
+            <a:endParaRPr lang="en-GB" sz="2400" dirty="0">
+              <a:solidFill>
+                <a:schemeClr val="accent5"/>
+              </a:solidFill>
+            </a:endParaRPr>
+          </a:p>
+          <a:p>
+            <a:pPr marL="800100" lvl="1" indent="-342900">
+              <a:buFont typeface="Arial" panose="020B0604020202020204" pitchFamily="34" charset="0"/>
+              <a:buChar char="•"/>
+            </a:pPr>
+            <a:r>
+              <a:rPr lang="en-GB" sz="2400" dirty="0">
+                <a:solidFill>
+                  <a:schemeClr val="accent5"/>
+                </a:solidFill>
+              </a:rPr>
+              <a:t>Car Basic Movements; how to correct directions (by swapping the pins)</a:t>
+            </a:r>
+          </a:p>
+          <a:p>
+            <a:pPr marL="342900" indent="-342900">
+              <a:buFont typeface="Arial" panose="020B0604020202020204" pitchFamily="34" charset="0"/>
+              <a:buChar char="•"/>
+            </a:pPr>
+            <a:endParaRPr lang="en-GB" sz="2400" dirty="0">
+              <a:solidFill>
+                <a:schemeClr val="bg1"/>
+              </a:solidFill>
+            </a:endParaRPr>
+          </a:p>
+          <a:p>
+            <a:pPr marL="342900" indent="-342900">
+              <a:buFont typeface="Arial" panose="020B0604020202020204" pitchFamily="34" charset="0"/>
+              <a:buChar char="•"/>
+            </a:pPr>
+            <a:r>
+              <a:rPr lang="en-GB" sz="2400" dirty="0">
+                <a:solidFill>
+                  <a:schemeClr val="bg1"/>
+                </a:solidFill>
+              </a:rPr>
+              <a:t>Practice the IR Sensor Calibration</a:t>
+            </a:r>
+            <a:endParaRPr lang="en-GB" sz="2400" dirty="0">
+              <a:solidFill>
+                <a:schemeClr val="accent5"/>
+              </a:solidFill>
+            </a:endParaRPr>
+          </a:p>
+          <a:p>
+            <a:pPr marL="800100" lvl="1" indent="-342900">
+              <a:buFont typeface="Arial" panose="020B0604020202020204" pitchFamily="34" charset="0"/>
+              <a:buChar char="•"/>
+            </a:pPr>
+            <a:endParaRPr lang="en-GB" sz="2400" dirty="0">
+              <a:solidFill>
+                <a:schemeClr val="accent5"/>
+              </a:solidFill>
+            </a:endParaRPr>
+          </a:p>
+          <a:p>
+            <a:pPr marL="342900" indent="-342900">
+              <a:buFont typeface="Arial" panose="020B0604020202020204" pitchFamily="34" charset="0"/>
+              <a:buChar char="•"/>
+            </a:pPr>
+            <a:r>
+              <a:rPr lang="en-GB" sz="2400" dirty="0">
+                <a:solidFill>
+                  <a:schemeClr val="bg1"/>
+                </a:solidFill>
+              </a:rPr>
+              <a:t>Practice the Edge or IR Obstacle Mode</a:t>
+            </a:r>
+          </a:p>
+          <a:p>
+            <a:pPr marL="342900" indent="-342900">
+              <a:buFont typeface="Arial" panose="020B0604020202020204" pitchFamily="34" charset="0"/>
+              <a:buChar char="•"/>
+            </a:pPr>
+            <a:endParaRPr lang="en-GB" sz="2400" dirty="0">
+              <a:solidFill>
+                <a:schemeClr val="bg1"/>
+              </a:solidFill>
+            </a:endParaRPr>
+          </a:p>
+        </p:txBody>
+      </p:sp>
+      <p:pic>
+        <p:nvPicPr>
+          <p:cNvPr id="4" name="Picture 3">
+            <a:extLst>
+              <a:ext uri="{FF2B5EF4-FFF2-40B4-BE49-F238E27FC236}">
+                <a16:creationId xmlns:a16="http://schemas.microsoft.com/office/drawing/2014/main" id="{F1C72A67-20EF-4D59-9457-012B0891DEA0}"/>
+              </a:ext>
+            </a:extLst>
+          </p:cNvPr>
+          <p:cNvPicPr>
+            <a:picLocks noChangeAspect="1"/>
+          </p:cNvPicPr>
+          <p:nvPr/>
+        </p:nvPicPr>
+        <p:blipFill>
+          <a:blip r:embed="rId2">
+            <a:extLst>
+              <a:ext uri="{28A0092B-C50C-407E-A947-70E740481C1C}">
+                <a14:useLocalDpi xmlns:a14="http://schemas.microsoft.com/office/drawing/2010/main" val="0"/>
+              </a:ext>
+            </a:extLst>
+          </a:blip>
+          <a:stretch>
+            <a:fillRect/>
+          </a:stretch>
+        </p:blipFill>
+        <p:spPr>
+          <a:xfrm>
+            <a:off x="10080966" y="0"/>
+            <a:ext cx="2100150" cy="566056"/>
+          </a:xfrm>
+          <a:prstGeom prst="rect">
+            <a:avLst/>
+          </a:prstGeom>
+        </p:spPr>
+      </p:pic>
+      <p:sp>
+        <p:nvSpPr>
+          <p:cNvPr id="5" name="Date Placeholder 4">
+            <a:extLst>
+              <a:ext uri="{FF2B5EF4-FFF2-40B4-BE49-F238E27FC236}">
+                <a16:creationId xmlns:a16="http://schemas.microsoft.com/office/drawing/2014/main" id="{502EE867-B3AF-C286-A60F-210E547973CF}"/>
+              </a:ext>
+            </a:extLst>
+          </p:cNvPr>
+          <p:cNvSpPr>
+            <a:spLocks noGrp="1"/>
+          </p:cNvSpPr>
+          <p:nvPr>
+            <p:ph type="dt" sz="half" idx="10"/>
+          </p:nvPr>
+        </p:nvSpPr>
+        <p:spPr/>
+        <p:txBody>
+          <a:bodyPr/>
+          <a:lstStyle/>
+          <a:p>
+            <a:r>
+              <a:rPr lang="en-GB"/>
+              <a:t>02/12/2025</a:t>
+            </a:r>
+          </a:p>
+        </p:txBody>
+      </p:sp>
+      <p:sp>
+        <p:nvSpPr>
+          <p:cNvPr id="6" name="Slide Number Placeholder 5">
+            <a:extLst>
+              <a:ext uri="{FF2B5EF4-FFF2-40B4-BE49-F238E27FC236}">
+                <a16:creationId xmlns:a16="http://schemas.microsoft.com/office/drawing/2014/main" id="{1DDB784F-3C09-F3A5-C4C8-C7D8DB55D0CA}"/>
+              </a:ext>
+            </a:extLst>
+          </p:cNvPr>
+          <p:cNvSpPr>
+            <a:spLocks noGrp="1"/>
+          </p:cNvSpPr>
+          <p:nvPr>
+            <p:ph type="sldNum" sz="quarter" idx="12"/>
+          </p:nvPr>
+        </p:nvSpPr>
+        <p:spPr/>
+        <p:txBody>
+          <a:bodyPr/>
+          <a:lstStyle/>
+          <a:p>
+            <a:fld id="{09FCE3CD-8E5B-4FEB-BC1E-3D61BE3CC713}" type="slidenum">
+              <a:rPr lang="en-GB" smtClean="0"/>
+              <a:t>21</a:t>
+            </a:fld>
+            <a:endParaRPr lang="en-GB"/>
+          </a:p>
+        </p:txBody>
+      </p:sp>
+    </p:spTree>
+    <p:extLst>
+      <p:ext uri="{BB962C8B-B14F-4D97-AF65-F5344CB8AC3E}">
+        <p14:creationId xmlns:p14="http://schemas.microsoft.com/office/powerpoint/2010/main" val="564927957"/>
+      </p:ext>
+    </p:extLst>
+  </p:cSld>
+  <p:clrMapOvr>
+    <a:masterClrMapping/>
+  </p:clrMapOvr>
+</p:sld>
+</file>
+
+<file path=ppt/slides/slide22.xml><?xml version="1.0" encoding="utf-8"?>
 <p:sld xmlns:a="http://schemas.openxmlformats.org/drawingml/2006/main" xmlns:r="http://schemas.openxmlformats.org/officeDocument/2006/relationships" xmlns:p="http://schemas.openxmlformats.org/presentationml/2006/main">
   <p:cSld>
     <p:bg>
@@ -8705,6 +10805,63 @@
           </a:p>
         </p:txBody>
       </p:sp>
+      <p:sp>
+        <p:nvSpPr>
+          <p:cNvPr id="3" name="Date Placeholder 2">
+            <a:extLst>
+              <a:ext uri="{FF2B5EF4-FFF2-40B4-BE49-F238E27FC236}">
+                <a16:creationId xmlns:a16="http://schemas.microsoft.com/office/drawing/2014/main" id="{DC312B4E-9DF7-BFDD-A51A-90B86B51DBE4}"/>
+              </a:ext>
+            </a:extLst>
+          </p:cNvPr>
+          <p:cNvSpPr>
+            <a:spLocks noGrp="1"/>
+          </p:cNvSpPr>
+          <p:nvPr>
+            <p:ph type="dt" sz="half" idx="10"/>
+          </p:nvPr>
+        </p:nvSpPr>
+        <p:spPr/>
+        <p:txBody>
+          <a:bodyPr/>
+          <a:lstStyle/>
+          <a:p>
+            <a:r>
+              <a:rPr lang="en-GB"/>
+              <a:t>02/12/2025</a:t>
+            </a:r>
+          </a:p>
+        </p:txBody>
+      </p:sp>
+      <p:sp>
+        <p:nvSpPr>
+          <p:cNvPr id="4" name="Slide Number Placeholder 3">
+            <a:extLst>
+              <a:ext uri="{FF2B5EF4-FFF2-40B4-BE49-F238E27FC236}">
+                <a16:creationId xmlns:a16="http://schemas.microsoft.com/office/drawing/2014/main" id="{0AD0300C-7DB8-86BF-446D-1B8E04634931}"/>
+              </a:ext>
+            </a:extLst>
+          </p:cNvPr>
+          <p:cNvSpPr>
+            <a:spLocks noGrp="1"/>
+          </p:cNvSpPr>
+          <p:nvPr>
+            <p:ph type="sldNum" sz="quarter" idx="12"/>
+          </p:nvPr>
+        </p:nvSpPr>
+        <p:spPr/>
+        <p:txBody>
+          <a:bodyPr/>
+          <a:lstStyle/>
+          <a:p>
+            <a:fld id="{09FCE3CD-8E5B-4FEB-BC1E-3D61BE3CC713}" type="slidenum">
+              <a:rPr lang="en-GB" smtClean="0"/>
+              <a:t>22</a:t>
+            </a:fld>
+            <a:endParaRPr lang="en-GB"/>
+          </a:p>
+        </p:txBody>
+      </p:sp>
     </p:spTree>
     <p:extLst>
       <p:ext uri="{BB962C8B-B14F-4D97-AF65-F5344CB8AC3E}">
@@ -8718,7 +10875,7 @@
 </p:sld>
 </file>
 
-<file path=ppt/slides/slide21.xml><?xml version="1.0" encoding="utf-8"?>
+<file path=ppt/slides/slide23.xml><?xml version="1.0" encoding="utf-8"?>
 <p:sld xmlns:a="http://schemas.openxmlformats.org/drawingml/2006/main" xmlns:r="http://schemas.openxmlformats.org/officeDocument/2006/relationships" xmlns:p="http://schemas.openxmlformats.org/presentationml/2006/main">
   <p:cSld>
     <p:bg>
@@ -9025,6 +11182,63 @@
           </a:prstGeom>
         </p:spPr>
       </p:pic>
+      <p:sp>
+        <p:nvSpPr>
+          <p:cNvPr id="5" name="Date Placeholder 4">
+            <a:extLst>
+              <a:ext uri="{FF2B5EF4-FFF2-40B4-BE49-F238E27FC236}">
+                <a16:creationId xmlns:a16="http://schemas.microsoft.com/office/drawing/2014/main" id="{775B2D7F-1308-087D-93BF-D762FC69602C}"/>
+              </a:ext>
+            </a:extLst>
+          </p:cNvPr>
+          <p:cNvSpPr>
+            <a:spLocks noGrp="1"/>
+          </p:cNvSpPr>
+          <p:nvPr>
+            <p:ph type="dt" sz="half" idx="10"/>
+          </p:nvPr>
+        </p:nvSpPr>
+        <p:spPr/>
+        <p:txBody>
+          <a:bodyPr/>
+          <a:lstStyle/>
+          <a:p>
+            <a:r>
+              <a:rPr lang="en-GB"/>
+              <a:t>02/12/2025</a:t>
+            </a:r>
+          </a:p>
+        </p:txBody>
+      </p:sp>
+      <p:sp>
+        <p:nvSpPr>
+          <p:cNvPr id="6" name="Slide Number Placeholder 5">
+            <a:extLst>
+              <a:ext uri="{FF2B5EF4-FFF2-40B4-BE49-F238E27FC236}">
+                <a16:creationId xmlns:a16="http://schemas.microsoft.com/office/drawing/2014/main" id="{1F58BE62-4299-930B-40D5-60DB83CEBEC2}"/>
+              </a:ext>
+            </a:extLst>
+          </p:cNvPr>
+          <p:cNvSpPr>
+            <a:spLocks noGrp="1"/>
+          </p:cNvSpPr>
+          <p:nvPr>
+            <p:ph type="sldNum" sz="quarter" idx="12"/>
+          </p:nvPr>
+        </p:nvSpPr>
+        <p:spPr/>
+        <p:txBody>
+          <a:bodyPr/>
+          <a:lstStyle/>
+          <a:p>
+            <a:fld id="{09FCE3CD-8E5B-4FEB-BC1E-3D61BE3CC713}" type="slidenum">
+              <a:rPr lang="en-GB" smtClean="0"/>
+              <a:t>23</a:t>
+            </a:fld>
+            <a:endParaRPr lang="en-GB"/>
+          </a:p>
+        </p:txBody>
+      </p:sp>
     </p:spTree>
     <p:extLst>
       <p:ext uri="{BB962C8B-B14F-4D97-AF65-F5344CB8AC3E}">
@@ -9038,7 +11252,7 @@
 </p:sld>
 </file>
 
-<file path=ppt/slides/slide22.xml><?xml version="1.0" encoding="utf-8"?>
+<file path=ppt/slides/slide24.xml><?xml version="1.0" encoding="utf-8"?>
 <p:sld xmlns:a="http://schemas.openxmlformats.org/drawingml/2006/main" xmlns:r="http://schemas.openxmlformats.org/officeDocument/2006/relationships" xmlns:p="http://schemas.openxmlformats.org/presentationml/2006/main">
   <p:cSld>
     <p:bg>
@@ -9122,6 +11336,63 @@
           </a:p>
         </p:txBody>
       </p:sp>
+      <p:sp>
+        <p:nvSpPr>
+          <p:cNvPr id="3" name="Date Placeholder 2">
+            <a:extLst>
+              <a:ext uri="{FF2B5EF4-FFF2-40B4-BE49-F238E27FC236}">
+                <a16:creationId xmlns:a16="http://schemas.microsoft.com/office/drawing/2014/main" id="{2FF36056-CF47-E2D4-EC9E-C9DDF98EAD89}"/>
+              </a:ext>
+            </a:extLst>
+          </p:cNvPr>
+          <p:cNvSpPr>
+            <a:spLocks noGrp="1"/>
+          </p:cNvSpPr>
+          <p:nvPr>
+            <p:ph type="dt" sz="half" idx="10"/>
+          </p:nvPr>
+        </p:nvSpPr>
+        <p:spPr/>
+        <p:txBody>
+          <a:bodyPr/>
+          <a:lstStyle/>
+          <a:p>
+            <a:r>
+              <a:rPr lang="en-GB"/>
+              <a:t>02/12/2025</a:t>
+            </a:r>
+          </a:p>
+        </p:txBody>
+      </p:sp>
+      <p:sp>
+        <p:nvSpPr>
+          <p:cNvPr id="4" name="Slide Number Placeholder 3">
+            <a:extLst>
+              <a:ext uri="{FF2B5EF4-FFF2-40B4-BE49-F238E27FC236}">
+                <a16:creationId xmlns:a16="http://schemas.microsoft.com/office/drawing/2014/main" id="{207B3A3B-29AB-338B-7F54-9D81C5DFF339}"/>
+              </a:ext>
+            </a:extLst>
+          </p:cNvPr>
+          <p:cNvSpPr>
+            <a:spLocks noGrp="1"/>
+          </p:cNvSpPr>
+          <p:nvPr>
+            <p:ph type="sldNum" sz="quarter" idx="12"/>
+          </p:nvPr>
+        </p:nvSpPr>
+        <p:spPr/>
+        <p:txBody>
+          <a:bodyPr/>
+          <a:lstStyle/>
+          <a:p>
+            <a:fld id="{09FCE3CD-8E5B-4FEB-BC1E-3D61BE3CC713}" type="slidenum">
+              <a:rPr lang="en-GB" smtClean="0"/>
+              <a:t>24</a:t>
+            </a:fld>
+            <a:endParaRPr lang="en-GB"/>
+          </a:p>
+        </p:txBody>
+      </p:sp>
     </p:spTree>
     <p:extLst>
       <p:ext uri="{BB962C8B-B14F-4D97-AF65-F5344CB8AC3E}">
@@ -9135,7 +11406,7 @@
 </p:sld>
 </file>
 
-<file path=ppt/slides/slide23.xml><?xml version="1.0" encoding="utf-8"?>
+<file path=ppt/slides/slide25.xml><?xml version="1.0" encoding="utf-8"?>
 <p:sld xmlns:a="http://schemas.openxmlformats.org/drawingml/2006/main" xmlns:r="http://schemas.openxmlformats.org/officeDocument/2006/relationships" xmlns:p="http://schemas.openxmlformats.org/presentationml/2006/main">
   <p:cSld>
     <p:bg>
@@ -9437,6 +11708,63 @@
           </a:prstGeom>
         </p:spPr>
       </p:pic>
+      <p:sp>
+        <p:nvSpPr>
+          <p:cNvPr id="5" name="Date Placeholder 4">
+            <a:extLst>
+              <a:ext uri="{FF2B5EF4-FFF2-40B4-BE49-F238E27FC236}">
+                <a16:creationId xmlns:a16="http://schemas.microsoft.com/office/drawing/2014/main" id="{BF484CBC-4E47-B204-AF1B-CB0B4668A7B9}"/>
+              </a:ext>
+            </a:extLst>
+          </p:cNvPr>
+          <p:cNvSpPr>
+            <a:spLocks noGrp="1"/>
+          </p:cNvSpPr>
+          <p:nvPr>
+            <p:ph type="dt" sz="half" idx="10"/>
+          </p:nvPr>
+        </p:nvSpPr>
+        <p:spPr/>
+        <p:txBody>
+          <a:bodyPr/>
+          <a:lstStyle/>
+          <a:p>
+            <a:r>
+              <a:rPr lang="en-GB"/>
+              <a:t>02/12/2025</a:t>
+            </a:r>
+          </a:p>
+        </p:txBody>
+      </p:sp>
+      <p:sp>
+        <p:nvSpPr>
+          <p:cNvPr id="6" name="Slide Number Placeholder 5">
+            <a:extLst>
+              <a:ext uri="{FF2B5EF4-FFF2-40B4-BE49-F238E27FC236}">
+                <a16:creationId xmlns:a16="http://schemas.microsoft.com/office/drawing/2014/main" id="{5E518F08-404B-206D-4256-06CA8E50DAE0}"/>
+              </a:ext>
+            </a:extLst>
+          </p:cNvPr>
+          <p:cNvSpPr>
+            <a:spLocks noGrp="1"/>
+          </p:cNvSpPr>
+          <p:nvPr>
+            <p:ph type="sldNum" sz="quarter" idx="12"/>
+          </p:nvPr>
+        </p:nvSpPr>
+        <p:spPr/>
+        <p:txBody>
+          <a:bodyPr/>
+          <a:lstStyle/>
+          <a:p>
+            <a:fld id="{09FCE3CD-8E5B-4FEB-BC1E-3D61BE3CC713}" type="slidenum">
+              <a:rPr lang="en-GB" smtClean="0"/>
+              <a:t>25</a:t>
+            </a:fld>
+            <a:endParaRPr lang="en-GB"/>
+          </a:p>
+        </p:txBody>
+      </p:sp>
     </p:spTree>
     <p:extLst>
       <p:ext uri="{BB962C8B-B14F-4D97-AF65-F5344CB8AC3E}">
@@ -9450,7 +11778,7 @@
 </p:sld>
 </file>
 
-<file path=ppt/slides/slide24.xml><?xml version="1.0" encoding="utf-8"?>
+<file path=ppt/slides/slide26.xml><?xml version="1.0" encoding="utf-8"?>
 <p:sld xmlns:a="http://schemas.openxmlformats.org/drawingml/2006/main" xmlns:r="http://schemas.openxmlformats.org/officeDocument/2006/relationships" xmlns:p="http://schemas.openxmlformats.org/presentationml/2006/main">
   <p:cSld>
     <p:bg>
@@ -9515,6 +11843,63 @@
               </a:rPr>
               <a:t>Q&amp;A</a:t>
             </a:r>
+          </a:p>
+        </p:txBody>
+      </p:sp>
+      <p:sp>
+        <p:nvSpPr>
+          <p:cNvPr id="3" name="Date Placeholder 2">
+            <a:extLst>
+              <a:ext uri="{FF2B5EF4-FFF2-40B4-BE49-F238E27FC236}">
+                <a16:creationId xmlns:a16="http://schemas.microsoft.com/office/drawing/2014/main" id="{ABC09462-9672-5184-FF59-0C816AEEBB2A}"/>
+              </a:ext>
+            </a:extLst>
+          </p:cNvPr>
+          <p:cNvSpPr>
+            <a:spLocks noGrp="1"/>
+          </p:cNvSpPr>
+          <p:nvPr>
+            <p:ph type="dt" sz="half" idx="10"/>
+          </p:nvPr>
+        </p:nvSpPr>
+        <p:spPr/>
+        <p:txBody>
+          <a:bodyPr/>
+          <a:lstStyle/>
+          <a:p>
+            <a:r>
+              <a:rPr lang="en-GB"/>
+              <a:t>02/12/2025</a:t>
+            </a:r>
+          </a:p>
+        </p:txBody>
+      </p:sp>
+      <p:sp>
+        <p:nvSpPr>
+          <p:cNvPr id="4" name="Slide Number Placeholder 3">
+            <a:extLst>
+              <a:ext uri="{FF2B5EF4-FFF2-40B4-BE49-F238E27FC236}">
+                <a16:creationId xmlns:a16="http://schemas.microsoft.com/office/drawing/2014/main" id="{3886D96F-27A4-62D6-7569-44CEA7A429CF}"/>
+              </a:ext>
+            </a:extLst>
+          </p:cNvPr>
+          <p:cNvSpPr>
+            <a:spLocks noGrp="1"/>
+          </p:cNvSpPr>
+          <p:nvPr>
+            <p:ph type="sldNum" sz="quarter" idx="12"/>
+          </p:nvPr>
+        </p:nvSpPr>
+        <p:spPr/>
+        <p:txBody>
+          <a:bodyPr/>
+          <a:lstStyle/>
+          <a:p>
+            <a:fld id="{09FCE3CD-8E5B-4FEB-BC1E-3D61BE3CC713}" type="slidenum">
+              <a:rPr lang="en-GB" smtClean="0"/>
+              <a:t>26</a:t>
+            </a:fld>
+            <a:endParaRPr lang="en-GB"/>
           </a:p>
         </p:txBody>
       </p:sp>
@@ -9615,6 +12000,63 @@
           </a:p>
         </p:txBody>
       </p:sp>
+      <p:sp>
+        <p:nvSpPr>
+          <p:cNvPr id="3" name="Date Placeholder 2">
+            <a:extLst>
+              <a:ext uri="{FF2B5EF4-FFF2-40B4-BE49-F238E27FC236}">
+                <a16:creationId xmlns:a16="http://schemas.microsoft.com/office/drawing/2014/main" id="{F894A897-ED93-BC53-EB21-303C06F40ACB}"/>
+              </a:ext>
+            </a:extLst>
+          </p:cNvPr>
+          <p:cNvSpPr>
+            <a:spLocks noGrp="1"/>
+          </p:cNvSpPr>
+          <p:nvPr>
+            <p:ph type="dt" sz="half" idx="10"/>
+          </p:nvPr>
+        </p:nvSpPr>
+        <p:spPr/>
+        <p:txBody>
+          <a:bodyPr/>
+          <a:lstStyle/>
+          <a:p>
+            <a:r>
+              <a:rPr lang="en-GB"/>
+              <a:t>02/12/2025</a:t>
+            </a:r>
+          </a:p>
+        </p:txBody>
+      </p:sp>
+      <p:sp>
+        <p:nvSpPr>
+          <p:cNvPr id="4" name="Slide Number Placeholder 3">
+            <a:extLst>
+              <a:ext uri="{FF2B5EF4-FFF2-40B4-BE49-F238E27FC236}">
+                <a16:creationId xmlns:a16="http://schemas.microsoft.com/office/drawing/2014/main" id="{60E13F42-8600-5ADE-0F49-B6E1AC662C09}"/>
+              </a:ext>
+            </a:extLst>
+          </p:cNvPr>
+          <p:cNvSpPr>
+            <a:spLocks noGrp="1"/>
+          </p:cNvSpPr>
+          <p:nvPr>
+            <p:ph type="sldNum" sz="quarter" idx="12"/>
+          </p:nvPr>
+        </p:nvSpPr>
+        <p:spPr/>
+        <p:txBody>
+          <a:bodyPr/>
+          <a:lstStyle/>
+          <a:p>
+            <a:fld id="{09FCE3CD-8E5B-4FEB-BC1E-3D61BE3CC713}" type="slidenum">
+              <a:rPr lang="en-GB" smtClean="0"/>
+              <a:t>3</a:t>
+            </a:fld>
+            <a:endParaRPr lang="en-GB"/>
+          </a:p>
+        </p:txBody>
+      </p:sp>
     </p:spTree>
     <p:extLst>
       <p:ext uri="{BB962C8B-B14F-4D97-AF65-F5344CB8AC3E}">
@@ -9796,6 +12238,63 @@
           </a:prstGeom>
         </p:spPr>
       </p:pic>
+      <p:sp>
+        <p:nvSpPr>
+          <p:cNvPr id="4" name="Date Placeholder 3">
+            <a:extLst>
+              <a:ext uri="{FF2B5EF4-FFF2-40B4-BE49-F238E27FC236}">
+                <a16:creationId xmlns:a16="http://schemas.microsoft.com/office/drawing/2014/main" id="{4838BE16-2A25-CE72-3B31-C9A5128B6227}"/>
+              </a:ext>
+            </a:extLst>
+          </p:cNvPr>
+          <p:cNvSpPr>
+            <a:spLocks noGrp="1"/>
+          </p:cNvSpPr>
+          <p:nvPr>
+            <p:ph type="dt" sz="half" idx="10"/>
+          </p:nvPr>
+        </p:nvSpPr>
+        <p:spPr/>
+        <p:txBody>
+          <a:bodyPr/>
+          <a:lstStyle/>
+          <a:p>
+            <a:r>
+              <a:rPr lang="en-GB"/>
+              <a:t>02/12/2025</a:t>
+            </a:r>
+          </a:p>
+        </p:txBody>
+      </p:sp>
+      <p:sp>
+        <p:nvSpPr>
+          <p:cNvPr id="5" name="Slide Number Placeholder 4">
+            <a:extLst>
+              <a:ext uri="{FF2B5EF4-FFF2-40B4-BE49-F238E27FC236}">
+                <a16:creationId xmlns:a16="http://schemas.microsoft.com/office/drawing/2014/main" id="{C0D1AD60-0A1F-3B6A-EE45-4462EB44B045}"/>
+              </a:ext>
+            </a:extLst>
+          </p:cNvPr>
+          <p:cNvSpPr>
+            <a:spLocks noGrp="1"/>
+          </p:cNvSpPr>
+          <p:nvPr>
+            <p:ph type="sldNum" sz="quarter" idx="12"/>
+          </p:nvPr>
+        </p:nvSpPr>
+        <p:spPr/>
+        <p:txBody>
+          <a:bodyPr/>
+          <a:lstStyle/>
+          <a:p>
+            <a:fld id="{09FCE3CD-8E5B-4FEB-BC1E-3D61BE3CC713}" type="slidenum">
+              <a:rPr lang="en-GB" smtClean="0"/>
+              <a:t>4</a:t>
+            </a:fld>
+            <a:endParaRPr lang="en-GB"/>
+          </a:p>
+        </p:txBody>
+      </p:sp>
     </p:spTree>
     <p:extLst>
       <p:ext uri="{BB962C8B-B14F-4D97-AF65-F5344CB8AC3E}">
@@ -10121,6 +12620,63 @@
           </a:prstGeom>
         </p:spPr>
       </p:pic>
+      <p:sp>
+        <p:nvSpPr>
+          <p:cNvPr id="4" name="Date Placeholder 3">
+            <a:extLst>
+              <a:ext uri="{FF2B5EF4-FFF2-40B4-BE49-F238E27FC236}">
+                <a16:creationId xmlns:a16="http://schemas.microsoft.com/office/drawing/2014/main" id="{9A147B5D-1C4D-3655-8E14-F62BE20DC234}"/>
+              </a:ext>
+            </a:extLst>
+          </p:cNvPr>
+          <p:cNvSpPr>
+            <a:spLocks noGrp="1"/>
+          </p:cNvSpPr>
+          <p:nvPr>
+            <p:ph type="dt" sz="half" idx="10"/>
+          </p:nvPr>
+        </p:nvSpPr>
+        <p:spPr/>
+        <p:txBody>
+          <a:bodyPr/>
+          <a:lstStyle/>
+          <a:p>
+            <a:r>
+              <a:rPr lang="en-GB"/>
+              <a:t>02/12/2025</a:t>
+            </a:r>
+          </a:p>
+        </p:txBody>
+      </p:sp>
+      <p:sp>
+        <p:nvSpPr>
+          <p:cNvPr id="5" name="Slide Number Placeholder 4">
+            <a:extLst>
+              <a:ext uri="{FF2B5EF4-FFF2-40B4-BE49-F238E27FC236}">
+                <a16:creationId xmlns:a16="http://schemas.microsoft.com/office/drawing/2014/main" id="{274CD4F1-42C9-76D4-13DE-9E12262083E8}"/>
+              </a:ext>
+            </a:extLst>
+          </p:cNvPr>
+          <p:cNvSpPr>
+            <a:spLocks noGrp="1"/>
+          </p:cNvSpPr>
+          <p:nvPr>
+            <p:ph type="sldNum" sz="quarter" idx="12"/>
+          </p:nvPr>
+        </p:nvSpPr>
+        <p:spPr/>
+        <p:txBody>
+          <a:bodyPr/>
+          <a:lstStyle/>
+          <a:p>
+            <a:fld id="{09FCE3CD-8E5B-4FEB-BC1E-3D61BE3CC713}" type="slidenum">
+              <a:rPr lang="en-GB" smtClean="0"/>
+              <a:t>5</a:t>
+            </a:fld>
+            <a:endParaRPr lang="en-GB"/>
+          </a:p>
+        </p:txBody>
+      </p:sp>
     </p:spTree>
     <p:extLst>
       <p:ext uri="{BB962C8B-B14F-4D97-AF65-F5344CB8AC3E}">
@@ -10268,6 +12824,63 @@
           </a:prstGeom>
         </p:spPr>
       </p:pic>
+      <p:sp>
+        <p:nvSpPr>
+          <p:cNvPr id="5" name="Date Placeholder 4">
+            <a:extLst>
+              <a:ext uri="{FF2B5EF4-FFF2-40B4-BE49-F238E27FC236}">
+                <a16:creationId xmlns:a16="http://schemas.microsoft.com/office/drawing/2014/main" id="{CEA8C77E-05B8-F958-BAF4-8B78C4F06DDB}"/>
+              </a:ext>
+            </a:extLst>
+          </p:cNvPr>
+          <p:cNvSpPr>
+            <a:spLocks noGrp="1"/>
+          </p:cNvSpPr>
+          <p:nvPr>
+            <p:ph type="dt" sz="half" idx="10"/>
+          </p:nvPr>
+        </p:nvSpPr>
+        <p:spPr/>
+        <p:txBody>
+          <a:bodyPr/>
+          <a:lstStyle/>
+          <a:p>
+            <a:r>
+              <a:rPr lang="en-GB"/>
+              <a:t>02/12/2025</a:t>
+            </a:r>
+          </a:p>
+        </p:txBody>
+      </p:sp>
+      <p:sp>
+        <p:nvSpPr>
+          <p:cNvPr id="6" name="Slide Number Placeholder 5">
+            <a:extLst>
+              <a:ext uri="{FF2B5EF4-FFF2-40B4-BE49-F238E27FC236}">
+                <a16:creationId xmlns:a16="http://schemas.microsoft.com/office/drawing/2014/main" id="{B5622C7C-7AE1-0E90-D408-86E67CF7AFA3}"/>
+              </a:ext>
+            </a:extLst>
+          </p:cNvPr>
+          <p:cNvSpPr>
+            <a:spLocks noGrp="1"/>
+          </p:cNvSpPr>
+          <p:nvPr>
+            <p:ph type="sldNum" sz="quarter" idx="12"/>
+          </p:nvPr>
+        </p:nvSpPr>
+        <p:spPr/>
+        <p:txBody>
+          <a:bodyPr/>
+          <a:lstStyle/>
+          <a:p>
+            <a:fld id="{09FCE3CD-8E5B-4FEB-BC1E-3D61BE3CC713}" type="slidenum">
+              <a:rPr lang="en-GB" smtClean="0"/>
+              <a:t>6</a:t>
+            </a:fld>
+            <a:endParaRPr lang="en-GB"/>
+          </a:p>
+        </p:txBody>
+      </p:sp>
     </p:spTree>
     <p:extLst>
       <p:ext uri="{BB962C8B-B14F-4D97-AF65-F5344CB8AC3E}">
@@ -10542,6 +13155,63 @@
           </a:prstGeom>
         </p:spPr>
       </p:pic>
+      <p:sp>
+        <p:nvSpPr>
+          <p:cNvPr id="3" name="Date Placeholder 2">
+            <a:extLst>
+              <a:ext uri="{FF2B5EF4-FFF2-40B4-BE49-F238E27FC236}">
+                <a16:creationId xmlns:a16="http://schemas.microsoft.com/office/drawing/2014/main" id="{C18DCD27-86EA-0122-0C00-4A9F9FC588D9}"/>
+              </a:ext>
+            </a:extLst>
+          </p:cNvPr>
+          <p:cNvSpPr>
+            <a:spLocks noGrp="1"/>
+          </p:cNvSpPr>
+          <p:nvPr>
+            <p:ph type="dt" sz="half" idx="10"/>
+          </p:nvPr>
+        </p:nvSpPr>
+        <p:spPr/>
+        <p:txBody>
+          <a:bodyPr/>
+          <a:lstStyle/>
+          <a:p>
+            <a:r>
+              <a:rPr lang="en-GB"/>
+              <a:t>02/12/2025</a:t>
+            </a:r>
+          </a:p>
+        </p:txBody>
+      </p:sp>
+      <p:sp>
+        <p:nvSpPr>
+          <p:cNvPr id="5" name="Slide Number Placeholder 4">
+            <a:extLst>
+              <a:ext uri="{FF2B5EF4-FFF2-40B4-BE49-F238E27FC236}">
+                <a16:creationId xmlns:a16="http://schemas.microsoft.com/office/drawing/2014/main" id="{50645EDB-08C7-2AF7-EF16-D7E4D2BD840C}"/>
+              </a:ext>
+            </a:extLst>
+          </p:cNvPr>
+          <p:cNvSpPr>
+            <a:spLocks noGrp="1"/>
+          </p:cNvSpPr>
+          <p:nvPr>
+            <p:ph type="sldNum" sz="quarter" idx="12"/>
+          </p:nvPr>
+        </p:nvSpPr>
+        <p:spPr/>
+        <p:txBody>
+          <a:bodyPr/>
+          <a:lstStyle/>
+          <a:p>
+            <a:fld id="{09FCE3CD-8E5B-4FEB-BC1E-3D61BE3CC713}" type="slidenum">
+              <a:rPr lang="en-GB" smtClean="0"/>
+              <a:t>7</a:t>
+            </a:fld>
+            <a:endParaRPr lang="en-GB"/>
+          </a:p>
+        </p:txBody>
+      </p:sp>
     </p:spTree>
     <p:extLst>
       <p:ext uri="{BB962C8B-B14F-4D97-AF65-F5344CB8AC3E}">
@@ -10748,6 +13418,63 @@
           </a:prstGeom>
         </p:spPr>
       </p:pic>
+      <p:sp>
+        <p:nvSpPr>
+          <p:cNvPr id="3" name="Date Placeholder 2">
+            <a:extLst>
+              <a:ext uri="{FF2B5EF4-FFF2-40B4-BE49-F238E27FC236}">
+                <a16:creationId xmlns:a16="http://schemas.microsoft.com/office/drawing/2014/main" id="{07F13E14-0FCB-37F8-DDAE-BEA0E5E70C3E}"/>
+              </a:ext>
+            </a:extLst>
+          </p:cNvPr>
+          <p:cNvSpPr>
+            <a:spLocks noGrp="1"/>
+          </p:cNvSpPr>
+          <p:nvPr>
+            <p:ph type="dt" sz="half" idx="10"/>
+          </p:nvPr>
+        </p:nvSpPr>
+        <p:spPr/>
+        <p:txBody>
+          <a:bodyPr/>
+          <a:lstStyle/>
+          <a:p>
+            <a:r>
+              <a:rPr lang="en-GB"/>
+              <a:t>02/12/2025</a:t>
+            </a:r>
+          </a:p>
+        </p:txBody>
+      </p:sp>
+      <p:sp>
+        <p:nvSpPr>
+          <p:cNvPr id="5" name="Slide Number Placeholder 4">
+            <a:extLst>
+              <a:ext uri="{FF2B5EF4-FFF2-40B4-BE49-F238E27FC236}">
+                <a16:creationId xmlns:a16="http://schemas.microsoft.com/office/drawing/2014/main" id="{C2704D96-58D9-EE54-8FFA-8014EA6331A1}"/>
+              </a:ext>
+            </a:extLst>
+          </p:cNvPr>
+          <p:cNvSpPr>
+            <a:spLocks noGrp="1"/>
+          </p:cNvSpPr>
+          <p:nvPr>
+            <p:ph type="sldNum" sz="quarter" idx="12"/>
+          </p:nvPr>
+        </p:nvSpPr>
+        <p:spPr/>
+        <p:txBody>
+          <a:bodyPr/>
+          <a:lstStyle/>
+          <a:p>
+            <a:fld id="{09FCE3CD-8E5B-4FEB-BC1E-3D61BE3CC713}" type="slidenum">
+              <a:rPr lang="en-GB" smtClean="0"/>
+              <a:t>8</a:t>
+            </a:fld>
+            <a:endParaRPr lang="en-GB"/>
+          </a:p>
+        </p:txBody>
+      </p:sp>
     </p:spTree>
     <p:extLst>
       <p:ext uri="{BB962C8B-B14F-4D97-AF65-F5344CB8AC3E}">
@@ -11320,6 +14047,63 @@
           </a:prstGeom>
         </p:spPr>
       </p:pic>
+      <p:sp>
+        <p:nvSpPr>
+          <p:cNvPr id="12" name="Date Placeholder 11">
+            <a:extLst>
+              <a:ext uri="{FF2B5EF4-FFF2-40B4-BE49-F238E27FC236}">
+                <a16:creationId xmlns:a16="http://schemas.microsoft.com/office/drawing/2014/main" id="{E1CC65A4-E0C4-A508-DC8D-FA98683813CA}"/>
+              </a:ext>
+            </a:extLst>
+          </p:cNvPr>
+          <p:cNvSpPr>
+            <a:spLocks noGrp="1"/>
+          </p:cNvSpPr>
+          <p:nvPr>
+            <p:ph type="dt" sz="half" idx="10"/>
+          </p:nvPr>
+        </p:nvSpPr>
+        <p:spPr/>
+        <p:txBody>
+          <a:bodyPr/>
+          <a:lstStyle/>
+          <a:p>
+            <a:r>
+              <a:rPr lang="en-GB"/>
+              <a:t>02/12/2025</a:t>
+            </a:r>
+          </a:p>
+        </p:txBody>
+      </p:sp>
+      <p:sp>
+        <p:nvSpPr>
+          <p:cNvPr id="15" name="Slide Number Placeholder 14">
+            <a:extLst>
+              <a:ext uri="{FF2B5EF4-FFF2-40B4-BE49-F238E27FC236}">
+                <a16:creationId xmlns:a16="http://schemas.microsoft.com/office/drawing/2014/main" id="{7C54D92A-6128-A7C7-0DC5-4CE5C775467C}"/>
+              </a:ext>
+            </a:extLst>
+          </p:cNvPr>
+          <p:cNvSpPr>
+            <a:spLocks noGrp="1"/>
+          </p:cNvSpPr>
+          <p:nvPr>
+            <p:ph type="sldNum" sz="quarter" idx="12"/>
+          </p:nvPr>
+        </p:nvSpPr>
+        <p:spPr/>
+        <p:txBody>
+          <a:bodyPr/>
+          <a:lstStyle/>
+          <a:p>
+            <a:fld id="{09FCE3CD-8E5B-4FEB-BC1E-3D61BE3CC713}" type="slidenum">
+              <a:rPr lang="en-GB" smtClean="0"/>
+              <a:t>9</a:t>
+            </a:fld>
+            <a:endParaRPr lang="en-GB"/>
+          </a:p>
+        </p:txBody>
+      </p:sp>
     </p:spTree>
     <p:extLst>
       <p:ext uri="{BB962C8B-B14F-4D97-AF65-F5344CB8AC3E}">
@@ -11646,4 +14430,319 @@
     </a:ext>
   </a:extLst>
 </a:theme>
+</file>
+
+<file path=ppt/theme/theme2.xml><?xml version="1.0" encoding="utf-8"?>
+<a:theme xmlns:a="http://schemas.openxmlformats.org/drawingml/2006/main" name="Office Theme">
+  <a:themeElements>
+    <a:clrScheme name="Office">
+      <a:dk1>
+        <a:sysClr val="windowText" lastClr="000000"/>
+      </a:dk1>
+      <a:lt1>
+        <a:sysClr val="window" lastClr="FFFFFF"/>
+      </a:lt1>
+      <a:dk2>
+        <a:srgbClr val="0E2841"/>
+      </a:dk2>
+      <a:lt2>
+        <a:srgbClr val="E8E8E8"/>
+      </a:lt2>
+      <a:accent1>
+        <a:srgbClr val="156082"/>
+      </a:accent1>
+      <a:accent2>
+        <a:srgbClr val="E97132"/>
+      </a:accent2>
+      <a:accent3>
+        <a:srgbClr val="196B24"/>
+      </a:accent3>
+      <a:accent4>
+        <a:srgbClr val="0F9ED5"/>
+      </a:accent4>
+      <a:accent5>
+        <a:srgbClr val="A02B93"/>
+      </a:accent5>
+      <a:accent6>
+        <a:srgbClr val="4EA72E"/>
+      </a:accent6>
+      <a:hlink>
+        <a:srgbClr val="467886"/>
+      </a:hlink>
+      <a:folHlink>
+        <a:srgbClr val="96607D"/>
+      </a:folHlink>
+    </a:clrScheme>
+    <a:fontScheme name="Office">
+      <a:majorFont>
+        <a:latin typeface="Aptos Display" panose="02110004020202020204"/>
+        <a:ea typeface=""/>
+        <a:cs typeface=""/>
+        <a:font script="Jpan" typeface="游ゴシック Light"/>
+        <a:font script="Hang" typeface="맑은 고딕"/>
+        <a:font script="Hans" typeface="等线 Light"/>
+        <a:font script="Hant" typeface="新細明體"/>
+        <a:font script="Arab" typeface="Times New Roman"/>
+        <a:font script="Hebr" typeface="Times New Roman"/>
+        <a:font script="Thai" typeface="Angsana New"/>
+        <a:font script="Ethi" typeface="Nyala"/>
+        <a:font script="Beng" typeface="Vrinda"/>
+        <a:font script="Gujr" typeface="Shruti"/>
+        <a:font script="Khmr" typeface="MoolBoran"/>
+        <a:font script="Knda" typeface="Tunga"/>
+        <a:font script="Guru" typeface="Raavi"/>
+        <a:font script="Cans" typeface="Euphemia"/>
+        <a:font script="Cher" typeface="Plantagenet Cherokee"/>
+        <a:font script="Yiii" typeface="Microsoft Yi Baiti"/>
+        <a:font script="Tibt" typeface="Microsoft Himalaya"/>
+        <a:font script="Thaa" typeface="MV Boli"/>
+        <a:font script="Deva" typeface="Mangal"/>
+        <a:font script="Telu" typeface="Gautami"/>
+        <a:font script="Taml" typeface="Latha"/>
+        <a:font script="Syrc" typeface="Estrangelo Edessa"/>
+        <a:font script="Orya" typeface="Kalinga"/>
+        <a:font script="Mlym" typeface="Kartika"/>
+        <a:font script="Laoo" typeface="DokChampa"/>
+        <a:font script="Sinh" typeface="Iskoola Pota"/>
+        <a:font script="Mong" typeface="Mongolian Baiti"/>
+        <a:font script="Viet" typeface="Times New Roman"/>
+        <a:font script="Uigh" typeface="Microsoft Uighur"/>
+        <a:font script="Geor" typeface="Sylfaen"/>
+        <a:font script="Armn" typeface="Arial"/>
+        <a:font script="Bugi" typeface="Leelawadee UI"/>
+        <a:font script="Bopo" typeface="Microsoft JhengHei"/>
+        <a:font script="Java" typeface="Javanese Text"/>
+        <a:font script="Lisu" typeface="Segoe UI"/>
+        <a:font script="Mymr" typeface="Myanmar Text"/>
+        <a:font script="Nkoo" typeface="Ebrima"/>
+        <a:font script="Olck" typeface="Nirmala UI"/>
+        <a:font script="Osma" typeface="Ebrima"/>
+        <a:font script="Phag" typeface="Phagspa"/>
+        <a:font script="Syrn" typeface="Estrangelo Edessa"/>
+        <a:font script="Syrj" typeface="Estrangelo Edessa"/>
+        <a:font script="Syre" typeface="Estrangelo Edessa"/>
+        <a:font script="Sora" typeface="Nirmala UI"/>
+        <a:font script="Tale" typeface="Microsoft Tai Le"/>
+        <a:font script="Talu" typeface="Microsoft New Tai Lue"/>
+        <a:font script="Tfng" typeface="Ebrima"/>
+      </a:majorFont>
+      <a:minorFont>
+        <a:latin typeface="Aptos" panose="02110004020202020204"/>
+        <a:ea typeface=""/>
+        <a:cs typeface=""/>
+        <a:font script="Jpan" typeface="游ゴシック"/>
+        <a:font script="Hang" typeface="맑은 고딕"/>
+        <a:font script="Hans" typeface="等线"/>
+        <a:font script="Hant" typeface="新細明體"/>
+        <a:font script="Arab" typeface="Arial"/>
+        <a:font script="Hebr" typeface="Arial"/>
+        <a:font script="Thai" typeface="Cordia New"/>
+        <a:font script="Ethi" typeface="Nyala"/>
+        <a:font script="Beng" typeface="Vrinda"/>
+        <a:font script="Gujr" typeface="Shruti"/>
+        <a:font script="Khmr" typeface="DaunPenh"/>
+        <a:font script="Knda" typeface="Tunga"/>
+        <a:font script="Guru" typeface="Raavi"/>
+        <a:font script="Cans" typeface="Euphemia"/>
+        <a:font script="Cher" typeface="Plantagenet Cherokee"/>
+        <a:font script="Yiii" typeface="Microsoft Yi Baiti"/>
+        <a:font script="Tibt" typeface="Microsoft Himalaya"/>
+        <a:font script="Thaa" typeface="MV Boli"/>
+        <a:font script="Deva" typeface="Mangal"/>
+        <a:font script="Telu" typeface="Gautami"/>
+        <a:font script="Taml" typeface="Latha"/>
+        <a:font script="Syrc" typeface="Estrangelo Edessa"/>
+        <a:font script="Orya" typeface="Kalinga"/>
+        <a:font script="Mlym" typeface="Kartika"/>
+        <a:font script="Laoo" typeface="DokChampa"/>
+        <a:font script="Sinh" typeface="Iskoola Pota"/>
+        <a:font script="Mong" typeface="Mongolian Baiti"/>
+        <a:font script="Viet" typeface="Arial"/>
+        <a:font script="Uigh" typeface="Microsoft Uighur"/>
+        <a:font script="Geor" typeface="Sylfaen"/>
+        <a:font script="Armn" typeface="Arial"/>
+        <a:font script="Bugi" typeface="Leelawadee UI"/>
+        <a:font script="Bopo" typeface="Microsoft JhengHei"/>
+        <a:font script="Java" typeface="Javanese Text"/>
+        <a:font script="Lisu" typeface="Segoe UI"/>
+        <a:font script="Mymr" typeface="Myanmar Text"/>
+        <a:font script="Nkoo" typeface="Ebrima"/>
+        <a:font script="Olck" typeface="Nirmala UI"/>
+        <a:font script="Osma" typeface="Ebrima"/>
+        <a:font script="Phag" typeface="Phagspa"/>
+        <a:font script="Syrn" typeface="Estrangelo Edessa"/>
+        <a:font script="Syrj" typeface="Estrangelo Edessa"/>
+        <a:font script="Syre" typeface="Estrangelo Edessa"/>
+        <a:font script="Sora" typeface="Nirmala UI"/>
+        <a:font script="Tale" typeface="Microsoft Tai Le"/>
+        <a:font script="Talu" typeface="Microsoft New Tai Lue"/>
+        <a:font script="Tfng" typeface="Ebrima"/>
+      </a:minorFont>
+    </a:fontScheme>
+    <a:fmtScheme name="Office">
+      <a:fillStyleLst>
+        <a:solidFill>
+          <a:schemeClr val="phClr"/>
+        </a:solidFill>
+        <a:gradFill rotWithShape="1">
+          <a:gsLst>
+            <a:gs pos="0">
+              <a:schemeClr val="phClr">
+                <a:lumMod val="110000"/>
+                <a:satMod val="105000"/>
+                <a:tint val="67000"/>
+              </a:schemeClr>
+            </a:gs>
+            <a:gs pos="50000">
+              <a:schemeClr val="phClr">
+                <a:lumMod val="105000"/>
+                <a:satMod val="103000"/>
+                <a:tint val="73000"/>
+              </a:schemeClr>
+            </a:gs>
+            <a:gs pos="100000">
+              <a:schemeClr val="phClr">
+                <a:lumMod val="105000"/>
+                <a:satMod val="109000"/>
+                <a:tint val="81000"/>
+              </a:schemeClr>
+            </a:gs>
+          </a:gsLst>
+          <a:lin ang="5400000" scaled="0"/>
+        </a:gradFill>
+        <a:gradFill rotWithShape="1">
+          <a:gsLst>
+            <a:gs pos="0">
+              <a:schemeClr val="phClr">
+                <a:satMod val="103000"/>
+                <a:lumMod val="102000"/>
+                <a:tint val="94000"/>
+              </a:schemeClr>
+            </a:gs>
+            <a:gs pos="50000">
+              <a:schemeClr val="phClr">
+                <a:satMod val="110000"/>
+                <a:lumMod val="100000"/>
+                <a:shade val="100000"/>
+              </a:schemeClr>
+            </a:gs>
+            <a:gs pos="100000">
+              <a:schemeClr val="phClr">
+                <a:lumMod val="99000"/>
+                <a:satMod val="120000"/>
+                <a:shade val="78000"/>
+              </a:schemeClr>
+            </a:gs>
+          </a:gsLst>
+          <a:lin ang="5400000" scaled="0"/>
+        </a:gradFill>
+      </a:fillStyleLst>
+      <a:lnStyleLst>
+        <a:ln w="12700" cap="flat" cmpd="sng" algn="ctr">
+          <a:solidFill>
+            <a:schemeClr val="phClr"/>
+          </a:solidFill>
+          <a:prstDash val="solid"/>
+          <a:miter lim="800000"/>
+        </a:ln>
+        <a:ln w="19050" cap="flat" cmpd="sng" algn="ctr">
+          <a:solidFill>
+            <a:schemeClr val="phClr"/>
+          </a:solidFill>
+          <a:prstDash val="solid"/>
+          <a:miter lim="800000"/>
+        </a:ln>
+        <a:ln w="25400" cap="flat" cmpd="sng" algn="ctr">
+          <a:solidFill>
+            <a:schemeClr val="phClr"/>
+          </a:solidFill>
+          <a:prstDash val="solid"/>
+          <a:miter lim="800000"/>
+        </a:ln>
+      </a:lnStyleLst>
+      <a:effectStyleLst>
+        <a:effectStyle>
+          <a:effectLst/>
+        </a:effectStyle>
+        <a:effectStyle>
+          <a:effectLst/>
+        </a:effectStyle>
+        <a:effectStyle>
+          <a:effectLst>
+            <a:outerShdw blurRad="57150" dist="19050" dir="5400000" algn="ctr" rotWithShape="0">
+              <a:srgbClr val="000000">
+                <a:alpha val="63000"/>
+              </a:srgbClr>
+            </a:outerShdw>
+          </a:effectLst>
+        </a:effectStyle>
+      </a:effectStyleLst>
+      <a:bgFillStyleLst>
+        <a:solidFill>
+          <a:schemeClr val="phClr"/>
+        </a:solidFill>
+        <a:solidFill>
+          <a:schemeClr val="phClr">
+            <a:tint val="95000"/>
+            <a:satMod val="170000"/>
+          </a:schemeClr>
+        </a:solidFill>
+        <a:gradFill rotWithShape="1">
+          <a:gsLst>
+            <a:gs pos="0">
+              <a:schemeClr val="phClr">
+                <a:tint val="93000"/>
+                <a:satMod val="150000"/>
+                <a:shade val="98000"/>
+                <a:lumMod val="102000"/>
+              </a:schemeClr>
+            </a:gs>
+            <a:gs pos="50000">
+              <a:schemeClr val="phClr">
+                <a:tint val="98000"/>
+                <a:satMod val="130000"/>
+                <a:shade val="90000"/>
+                <a:lumMod val="103000"/>
+              </a:schemeClr>
+            </a:gs>
+            <a:gs pos="100000">
+              <a:schemeClr val="phClr">
+                <a:shade val="63000"/>
+                <a:satMod val="120000"/>
+              </a:schemeClr>
+            </a:gs>
+          </a:gsLst>
+          <a:lin ang="5400000" scaled="0"/>
+        </a:gradFill>
+      </a:bgFillStyleLst>
+    </a:fmtScheme>
+  </a:themeElements>
+  <a:objectDefaults>
+    <a:lnDef>
+      <a:spPr/>
+      <a:bodyPr/>
+      <a:lstStyle/>
+      <a:style>
+        <a:lnRef idx="2">
+          <a:schemeClr val="accent1"/>
+        </a:lnRef>
+        <a:fillRef idx="0">
+          <a:schemeClr val="accent1"/>
+        </a:fillRef>
+        <a:effectRef idx="1">
+          <a:schemeClr val="accent1"/>
+        </a:effectRef>
+        <a:fontRef idx="minor">
+          <a:schemeClr val="tx1"/>
+        </a:fontRef>
+      </a:style>
+    </a:lnDef>
+  </a:objectDefaults>
+  <a:extraClrSchemeLst/>
+  <a:extLst>
+    <a:ext uri="{05A4C25C-085E-4340-85A3-A5531E510DB2}">
+      <thm15:themeFamily xmlns:thm15="http://schemas.microsoft.com/office/thememl/2012/main" name="Office Theme" id="{2E142A2C-CD16-42D6-873A-C26D2A0506FA}" vid="{1BDDFF52-6CD6-40A5-AB3C-68EB2F1E4D0A}"/>
+    </a:ext>
+  </a:extLst>
+</a:theme>
 </file>